--- a/10数组和指针.pptx
+++ b/10数组和指针.pptx
@@ -12,6 +12,8 @@
     <p:sldId id="260" r:id="rId6"/>
     <p:sldId id="261" r:id="rId7"/>
     <p:sldId id="262" r:id="rId8"/>
+    <p:sldId id="264" r:id="rId9"/>
+    <p:sldId id="265" r:id="rId10"/>
   </p:sldIdLst>
   <p:sldSz cx="12192000" cy="6858000"/>
   <p:notesSz cx="6858000" cy="9144000"/>
@@ -304,7 +306,7 @@
           <a:p>
             <a:fld id="{DCE76F9B-5546-48B0-9EA1-1BCE5DE1A632}" type="datetimeFigureOut">
               <a:rPr lang="zh-CN" altLang="en-US" smtClean="0"/>
-              <a:t>2022-3-1</a:t>
+              <a:t>2022/3/7</a:t>
             </a:fld>
             <a:endParaRPr lang="zh-CN" altLang="en-US"/>
           </a:p>
@@ -579,7 +581,7 @@
           <a:p>
             <a:fld id="{DCE76F9B-5546-48B0-9EA1-1BCE5DE1A632}" type="datetimeFigureOut">
               <a:rPr lang="zh-CN" altLang="en-US" smtClean="0"/>
-              <a:t>2022-3-1</a:t>
+              <a:t>2022/3/7</a:t>
             </a:fld>
             <a:endParaRPr lang="zh-CN" altLang="en-US"/>
           </a:p>
@@ -773,7 +775,7 @@
           <a:p>
             <a:fld id="{DCE76F9B-5546-48B0-9EA1-1BCE5DE1A632}" type="datetimeFigureOut">
               <a:rPr lang="zh-CN" altLang="en-US" smtClean="0"/>
-              <a:t>2022-3-1</a:t>
+              <a:t>2022/3/7</a:t>
             </a:fld>
             <a:endParaRPr lang="zh-CN" altLang="en-US"/>
           </a:p>
@@ -1046,7 +1048,7 @@
           <a:p>
             <a:fld id="{DCE76F9B-5546-48B0-9EA1-1BCE5DE1A632}" type="datetimeFigureOut">
               <a:rPr lang="zh-CN" altLang="en-US" smtClean="0"/>
-              <a:t>2022-3-1</a:t>
+              <a:t>2022/3/7</a:t>
             </a:fld>
             <a:endParaRPr lang="zh-CN" altLang="en-US"/>
           </a:p>
@@ -1387,7 +1389,7 @@
           <a:p>
             <a:fld id="{DCE76F9B-5546-48B0-9EA1-1BCE5DE1A632}" type="datetimeFigureOut">
               <a:rPr lang="zh-CN" altLang="en-US" smtClean="0"/>
-              <a:t>2022-3-1</a:t>
+              <a:t>2022/3/7</a:t>
             </a:fld>
             <a:endParaRPr lang="zh-CN" altLang="en-US"/>
           </a:p>
@@ -2010,7 +2012,7 @@
           <a:p>
             <a:fld id="{DCE76F9B-5546-48B0-9EA1-1BCE5DE1A632}" type="datetimeFigureOut">
               <a:rPr lang="zh-CN" altLang="en-US" smtClean="0"/>
-              <a:t>2022-3-1</a:t>
+              <a:t>2022/3/7</a:t>
             </a:fld>
             <a:endParaRPr lang="zh-CN" altLang="en-US"/>
           </a:p>
@@ -2870,7 +2872,7 @@
           <a:p>
             <a:fld id="{DCE76F9B-5546-48B0-9EA1-1BCE5DE1A632}" type="datetimeFigureOut">
               <a:rPr lang="zh-CN" altLang="en-US" smtClean="0"/>
-              <a:t>2022-3-1</a:t>
+              <a:t>2022/3/7</a:t>
             </a:fld>
             <a:endParaRPr lang="zh-CN" altLang="en-US"/>
           </a:p>
@@ -3040,7 +3042,7 @@
           <a:p>
             <a:fld id="{DCE76F9B-5546-48B0-9EA1-1BCE5DE1A632}" type="datetimeFigureOut">
               <a:rPr lang="zh-CN" altLang="en-US" smtClean="0"/>
-              <a:t>2022-3-1</a:t>
+              <a:t>2022/3/7</a:t>
             </a:fld>
             <a:endParaRPr lang="zh-CN" altLang="en-US"/>
           </a:p>
@@ -3220,7 +3222,7 @@
           <a:p>
             <a:fld id="{DCE76F9B-5546-48B0-9EA1-1BCE5DE1A632}" type="datetimeFigureOut">
               <a:rPr lang="zh-CN" altLang="en-US" smtClean="0"/>
-              <a:t>2022-3-1</a:t>
+              <a:t>2022/3/7</a:t>
             </a:fld>
             <a:endParaRPr lang="zh-CN" altLang="en-US"/>
           </a:p>
@@ -3390,7 +3392,7 @@
           <a:p>
             <a:fld id="{DCE76F9B-5546-48B0-9EA1-1BCE5DE1A632}" type="datetimeFigureOut">
               <a:rPr lang="zh-CN" altLang="en-US" smtClean="0"/>
-              <a:t>2022-3-1</a:t>
+              <a:t>2022/3/7</a:t>
             </a:fld>
             <a:endParaRPr lang="zh-CN" altLang="en-US"/>
           </a:p>
@@ -3637,7 +3639,7 @@
           <a:p>
             <a:fld id="{DCE76F9B-5546-48B0-9EA1-1BCE5DE1A632}" type="datetimeFigureOut">
               <a:rPr lang="zh-CN" altLang="en-US" smtClean="0"/>
-              <a:t>2022-3-1</a:t>
+              <a:t>2022/3/7</a:t>
             </a:fld>
             <a:endParaRPr lang="zh-CN" altLang="en-US"/>
           </a:p>
@@ -3929,7 +3931,7 @@
           <a:p>
             <a:fld id="{DCE76F9B-5546-48B0-9EA1-1BCE5DE1A632}" type="datetimeFigureOut">
               <a:rPr lang="zh-CN" altLang="en-US" smtClean="0"/>
-              <a:t>2022-3-1</a:t>
+              <a:t>2022/3/7</a:t>
             </a:fld>
             <a:endParaRPr lang="zh-CN" altLang="en-US"/>
           </a:p>
@@ -4373,7 +4375,7 @@
           <a:p>
             <a:fld id="{DCE76F9B-5546-48B0-9EA1-1BCE5DE1A632}" type="datetimeFigureOut">
               <a:rPr lang="zh-CN" altLang="en-US" smtClean="0"/>
-              <a:t>2022-3-1</a:t>
+              <a:t>2022/3/7</a:t>
             </a:fld>
             <a:endParaRPr lang="zh-CN" altLang="en-US"/>
           </a:p>
@@ -4491,7 +4493,7 @@
           <a:p>
             <a:fld id="{DCE76F9B-5546-48B0-9EA1-1BCE5DE1A632}" type="datetimeFigureOut">
               <a:rPr lang="zh-CN" altLang="en-US" smtClean="0"/>
-              <a:t>2022-3-1</a:t>
+              <a:t>2022/3/7</a:t>
             </a:fld>
             <a:endParaRPr lang="zh-CN" altLang="en-US"/>
           </a:p>
@@ -4586,7 +4588,7 @@
           <a:p>
             <a:fld id="{DCE76F9B-5546-48B0-9EA1-1BCE5DE1A632}" type="datetimeFigureOut">
               <a:rPr lang="zh-CN" altLang="en-US" smtClean="0"/>
-              <a:t>2022-3-1</a:t>
+              <a:t>2022/3/7</a:t>
             </a:fld>
             <a:endParaRPr lang="zh-CN" altLang="en-US"/>
           </a:p>
@@ -4865,7 +4867,7 @@
           <a:p>
             <a:fld id="{DCE76F9B-5546-48B0-9EA1-1BCE5DE1A632}" type="datetimeFigureOut">
               <a:rPr lang="zh-CN" altLang="en-US" smtClean="0"/>
-              <a:t>2022-3-1</a:t>
+              <a:t>2022/3/7</a:t>
             </a:fld>
             <a:endParaRPr lang="zh-CN" altLang="en-US"/>
           </a:p>
@@ -5140,7 +5142,7 @@
           <a:p>
             <a:fld id="{DCE76F9B-5546-48B0-9EA1-1BCE5DE1A632}" type="datetimeFigureOut">
               <a:rPr lang="zh-CN" altLang="en-US" smtClean="0"/>
-              <a:t>2022-3-1</a:t>
+              <a:t>2022/3/7</a:t>
             </a:fld>
             <a:endParaRPr lang="zh-CN" altLang="en-US"/>
           </a:p>
@@ -5569,7 +5571,7 @@
           <a:p>
             <a:fld id="{DCE76F9B-5546-48B0-9EA1-1BCE5DE1A632}" type="datetimeFigureOut">
               <a:rPr lang="zh-CN" altLang="en-US" smtClean="0"/>
-              <a:t>2022-3-1</a:t>
+              <a:t>2022/3/7</a:t>
             </a:fld>
             <a:endParaRPr lang="zh-CN" altLang="en-US"/>
           </a:p>
@@ -8063,11 +8065,13 @@
         <p:spPr>
           <a:xfrm>
             <a:off x="1103312" y="1642370"/>
-            <a:ext cx="8946541" cy="4606030"/>
+            <a:ext cx="8946541" cy="4962616"/>
           </a:xfrm>
         </p:spPr>
         <p:txBody>
-          <a:bodyPr/>
+          <a:bodyPr>
+            <a:normAutofit fontScale="92500" lnSpcReduction="10000"/>
+          </a:bodyPr>
           <a:lstStyle/>
           <a:p>
             <a:r>
@@ -8154,95 +8158,173 @@
               <a:buNone/>
             </a:pPr>
             <a:r>
+              <a:rPr lang="en-US" altLang="zh-CN" sz="1500" dirty="0">
+                <a:latin typeface="+mn-ea"/>
+                <a:ea typeface="+mn-ea"/>
+              </a:rPr>
+              <a:t>int arr[8];</a:t>
+            </a:r>
+          </a:p>
+          <a:p>
+            <a:pPr marL="914400" lvl="2" indent="0">
+              <a:buNone/>
+            </a:pPr>
+            <a:r>
+              <a:rPr lang="en-US" altLang="zh-CN" sz="1500" dirty="0">
+                <a:latin typeface="+mn-ea"/>
+                <a:ea typeface="+mn-ea"/>
+              </a:rPr>
+              <a:t>int* </a:t>
+            </a:r>
+            <a:r>
+              <a:rPr lang="en-US" altLang="zh-CN" sz="1500" dirty="0" err="1">
+                <a:latin typeface="+mn-ea"/>
+                <a:ea typeface="+mn-ea"/>
+              </a:rPr>
+              <a:t>pt</a:t>
+            </a:r>
+            <a:r>
+              <a:rPr lang="en-US" altLang="zh-CN" sz="1500" dirty="0">
+                <a:latin typeface="+mn-ea"/>
+                <a:ea typeface="+mn-ea"/>
+              </a:rPr>
+              <a:t>;</a:t>
+            </a:r>
+          </a:p>
+          <a:p>
+            <a:pPr marL="914400" lvl="2" indent="0">
+              <a:buNone/>
+            </a:pPr>
+            <a:r>
+              <a:rPr lang="en-US" altLang="zh-CN" sz="1500" dirty="0" err="1">
+                <a:latin typeface="+mn-ea"/>
+                <a:ea typeface="+mn-ea"/>
+              </a:rPr>
+              <a:t>pt</a:t>
+            </a:r>
+            <a:r>
+              <a:rPr lang="en-US" altLang="zh-CN" sz="1500" dirty="0">
+                <a:latin typeface="+mn-ea"/>
+                <a:ea typeface="+mn-ea"/>
+              </a:rPr>
+              <a:t> = arr;</a:t>
+            </a:r>
+          </a:p>
+          <a:p>
+            <a:pPr marL="914400" lvl="2" indent="0">
+              <a:buNone/>
+            </a:pPr>
+            <a:r>
+              <a:rPr lang="en-US" altLang="zh-CN" sz="1500" dirty="0">
+                <a:latin typeface="+mn-ea"/>
+                <a:ea typeface="+mn-ea"/>
+              </a:rPr>
+              <a:t>arr[1] == *(</a:t>
+            </a:r>
+            <a:r>
+              <a:rPr lang="en-US" altLang="zh-CN" sz="1500" dirty="0" err="1">
+                <a:latin typeface="+mn-ea"/>
+                <a:ea typeface="+mn-ea"/>
+              </a:rPr>
+              <a:t>pt</a:t>
+            </a:r>
+            <a:r>
+              <a:rPr lang="en-US" altLang="zh-CN" sz="1500" dirty="0">
+                <a:latin typeface="+mn-ea"/>
+                <a:ea typeface="+mn-ea"/>
+              </a:rPr>
+              <a:t> + 1)</a:t>
+            </a:r>
+            <a:r>
               <a:rPr lang="en-US" altLang="zh-CN" sz="1400" dirty="0">
                 <a:latin typeface="+mn-ea"/>
                 <a:ea typeface="+mn-ea"/>
               </a:rPr>
-              <a:t>int arr[8];</a:t>
-            </a:r>
-          </a:p>
-          <a:p>
-            <a:pPr marL="914400" lvl="2" indent="0">
-              <a:buNone/>
-            </a:pPr>
-            <a:r>
-              <a:rPr lang="en-US" altLang="zh-CN" sz="1400" dirty="0">
-                <a:latin typeface="+mn-ea"/>
-                <a:ea typeface="+mn-ea"/>
-              </a:rPr>
-              <a:t>int* </a:t>
-            </a:r>
-            <a:r>
-              <a:rPr lang="en-US" altLang="zh-CN" sz="1400" dirty="0" err="1">
-                <a:latin typeface="+mn-ea"/>
-                <a:ea typeface="+mn-ea"/>
-              </a:rPr>
-              <a:t>pt</a:t>
-            </a:r>
-            <a:r>
-              <a:rPr lang="en-US" altLang="zh-CN" sz="1400" dirty="0">
-                <a:latin typeface="+mn-ea"/>
-                <a:ea typeface="+mn-ea"/>
-              </a:rPr>
               <a:t>;</a:t>
             </a:r>
-          </a:p>
-          <a:p>
-            <a:pPr marL="914400" lvl="2" indent="0">
-              <a:buNone/>
-            </a:pPr>
-            <a:r>
-              <a:rPr lang="en-US" altLang="zh-CN" sz="1400" dirty="0" err="1">
-                <a:latin typeface="+mn-ea"/>
-                <a:ea typeface="+mn-ea"/>
-              </a:rPr>
-              <a:t>pt</a:t>
-            </a:r>
-            <a:r>
-              <a:rPr lang="en-US" altLang="zh-CN" sz="1400" dirty="0">
-                <a:latin typeface="+mn-ea"/>
-                <a:ea typeface="+mn-ea"/>
-              </a:rPr>
-              <a:t> = arr;</a:t>
-            </a:r>
-          </a:p>
-          <a:p>
-            <a:pPr marL="914400" lvl="2" indent="0">
-              <a:buNone/>
-            </a:pPr>
-            <a:r>
-              <a:rPr lang="en-US" altLang="zh-CN" sz="1400" dirty="0">
-                <a:latin typeface="+mn-ea"/>
-                <a:ea typeface="+mn-ea"/>
-              </a:rPr>
-              <a:t>arr[1] == </a:t>
-            </a:r>
-            <a:r>
-              <a:rPr lang="en-US" altLang="zh-CN" sz="1400" dirty="0" err="1">
-                <a:latin typeface="+mn-ea"/>
-                <a:ea typeface="+mn-ea"/>
-              </a:rPr>
-              <a:t>pt</a:t>
-            </a:r>
-            <a:r>
-              <a:rPr lang="en-US" altLang="zh-CN" sz="1400" dirty="0">
-                <a:latin typeface="+mn-ea"/>
-                <a:ea typeface="+mn-ea"/>
-              </a:rPr>
-              <a:t> + 1;</a:t>
-            </a:r>
-          </a:p>
-          <a:p>
-            <a:pPr marL="457200" lvl="1" indent="0">
-              <a:buNone/>
-            </a:pPr>
             <a:endParaRPr lang="en-US" altLang="zh-CN" sz="1600" dirty="0">
               <a:latin typeface="+mn-ea"/>
               <a:ea typeface="+mn-ea"/>
             </a:endParaRPr>
           </a:p>
           <a:p>
-            <a:endParaRPr lang="zh-CN" altLang="en-US" dirty="0"/>
+            <a:pPr lvl="1">
+              <a:buFont typeface="Wingdings" panose="05000000000000000000" pitchFamily="2" charset="2"/>
+              <a:buChar char="Ø"/>
+            </a:pPr>
+            <a:r>
+              <a:rPr lang="zh-CN" altLang="en-US" sz="1600" dirty="0"/>
+              <a:t>数组和指针的加法</a:t>
+            </a:r>
+            <a:endParaRPr lang="en-US" altLang="zh-CN" sz="1600" dirty="0"/>
+          </a:p>
+          <a:p>
+            <a:pPr marL="457200" lvl="1" indent="0">
+              <a:buNone/>
+            </a:pPr>
+            <a:r>
+              <a:rPr lang="en-US" altLang="zh-CN" sz="1600" dirty="0"/>
+              <a:t>	</a:t>
+            </a:r>
+            <a:r>
+              <a:rPr lang="en-US" altLang="zh-CN" sz="1400" dirty="0"/>
+              <a:t>int dates[y],*p;</a:t>
+            </a:r>
+          </a:p>
+          <a:p>
+            <a:pPr marL="457200" lvl="1" indent="0">
+              <a:buNone/>
+            </a:pPr>
+            <a:r>
+              <a:rPr lang="en-US" altLang="zh-CN" sz="1400" dirty="0"/>
+              <a:t>	p = dates;(</a:t>
+            </a:r>
+            <a:r>
+              <a:rPr lang="zh-CN" altLang="en-US" sz="1400" dirty="0"/>
+              <a:t>等价于</a:t>
+            </a:r>
+            <a:r>
+              <a:rPr lang="en-US" altLang="zh-CN" sz="1400" dirty="0"/>
+              <a:t>p = &amp;dates[0];)</a:t>
+            </a:r>
+          </a:p>
+          <a:p>
+            <a:pPr marL="457200" lvl="1" indent="0">
+              <a:buNone/>
+            </a:pPr>
+            <a:r>
+              <a:rPr lang="en-US" altLang="zh-CN" sz="1400" dirty="0"/>
+              <a:t>	dates[2] = *(p =2);	</a:t>
+            </a:r>
+            <a:r>
+              <a:rPr lang="zh-CN" altLang="en-US" sz="1400" dirty="0"/>
+              <a:t>值相等</a:t>
+            </a:r>
+            <a:endParaRPr lang="en-US" altLang="zh-CN" sz="1400" dirty="0"/>
+          </a:p>
+          <a:p>
+            <a:pPr marL="457200" lvl="1" indent="0">
+              <a:buNone/>
+            </a:pPr>
+            <a:r>
+              <a:rPr lang="en-US" altLang="zh-CN" sz="1400" dirty="0"/>
+              <a:t>	p + 2 =&amp;dates[2];	</a:t>
+            </a:r>
+            <a:r>
+              <a:rPr lang="zh-CN" altLang="en-US" sz="1400" dirty="0"/>
+              <a:t>地址相同</a:t>
+            </a:r>
+            <a:endParaRPr lang="en-US" altLang="zh-CN" sz="1400" dirty="0"/>
+          </a:p>
+          <a:p>
+            <a:pPr marL="457200" lvl="1" indent="0">
+              <a:buNone/>
+            </a:pPr>
+            <a:r>
+              <a:rPr lang="en-US" altLang="zh-CN" sz="1400" dirty="0"/>
+              <a:t>	</a:t>
+            </a:r>
+            <a:endParaRPr lang="zh-CN" altLang="en-US" sz="1400" dirty="0"/>
           </a:p>
         </p:txBody>
       </p:sp>
@@ -8250,6 +8332,693 @@
     <p:extLst>
       <p:ext uri="{BB962C8B-B14F-4D97-AF65-F5344CB8AC3E}">
         <p14:creationId xmlns:p14="http://schemas.microsoft.com/office/powerpoint/2010/main" val="878546800"/>
+      </p:ext>
+    </p:extLst>
+  </p:cSld>
+  <p:clrMapOvr>
+    <a:masterClrMapping/>
+  </p:clrMapOvr>
+</p:sld>
+</file>
+
+<file path=ppt/slides/slide8.xml><?xml version="1.0" encoding="utf-8"?>
+<p:sld xmlns:a="http://schemas.openxmlformats.org/drawingml/2006/main" xmlns:r="http://schemas.openxmlformats.org/officeDocument/2006/relationships" xmlns:p="http://schemas.openxmlformats.org/presentationml/2006/main">
+  <p:cSld>
+    <p:spTree>
+      <p:nvGrpSpPr>
+        <p:cNvPr id="1" name=""/>
+        <p:cNvGrpSpPr/>
+        <p:nvPr/>
+      </p:nvGrpSpPr>
+      <p:grpSpPr>
+        <a:xfrm>
+          <a:off x="0" y="0"/>
+          <a:ext cx="0" cy="0"/>
+          <a:chOff x="0" y="0"/>
+          <a:chExt cx="0" cy="0"/>
+        </a:xfrm>
+      </p:grpSpPr>
+      <p:sp>
+        <p:nvSpPr>
+          <p:cNvPr id="2" name="标题 1">
+            <a:extLst>
+              <a:ext uri="{FF2B5EF4-FFF2-40B4-BE49-F238E27FC236}">
+                <a16:creationId xmlns:a16="http://schemas.microsoft.com/office/drawing/2014/main" id="{BA890E1A-8EC4-4550-B1C9-1FA67753E25F}"/>
+              </a:ext>
+            </a:extLst>
+          </p:cNvPr>
+          <p:cNvSpPr>
+            <a:spLocks noGrp="1"/>
+          </p:cNvSpPr>
+          <p:nvPr>
+            <p:ph type="title"/>
+          </p:nvPr>
+        </p:nvSpPr>
+        <p:spPr>
+          <a:xfrm>
+            <a:off x="646111" y="452718"/>
+            <a:ext cx="9404723" cy="905565"/>
+          </a:xfrm>
+        </p:spPr>
+        <p:txBody>
+          <a:bodyPr/>
+          <a:lstStyle/>
+          <a:p>
+            <a:r>
+              <a:rPr lang="en-US" altLang="zh-CN" sz="2400" dirty="0"/>
+              <a:t>10.4 </a:t>
+            </a:r>
+            <a:r>
+              <a:rPr lang="zh-CN" altLang="en-US" sz="2400" dirty="0"/>
+              <a:t>函数 数组和指针</a:t>
+            </a:r>
+            <a:br>
+              <a:rPr lang="en-US" altLang="zh-CN" sz="2400" dirty="0"/>
+            </a:br>
+            <a:r>
+              <a:rPr lang="en-US" altLang="zh-CN" sz="2400" dirty="0"/>
+              <a:t>	</a:t>
+            </a:r>
+            <a:r>
+              <a:rPr lang="zh-CN" altLang="en-US" sz="1600" dirty="0"/>
+              <a:t>需要编写一个处理数组的函数时，要传递的参数是数组名，而数组名的本质是数组的首地址</a:t>
+            </a:r>
+            <a:br>
+              <a:rPr lang="en-US" altLang="zh-CN" sz="1600" dirty="0"/>
+            </a:br>
+            <a:r>
+              <a:rPr lang="zh-CN" altLang="en-US" sz="1600" dirty="0"/>
+              <a:t>所以函数原型应该是</a:t>
+            </a:r>
+            <a:r>
+              <a:rPr lang="en-US" altLang="zh-CN" sz="1600" dirty="0"/>
+              <a:t>int sum(int *</a:t>
+            </a:r>
+            <a:r>
+              <a:rPr lang="en-US" altLang="zh-CN" sz="1600" dirty="0" err="1"/>
+              <a:t>arr</a:t>
+            </a:r>
+            <a:r>
+              <a:rPr lang="en-US" altLang="zh-CN" sz="1600" dirty="0"/>
+              <a:t>);</a:t>
+            </a:r>
+            <a:br>
+              <a:rPr lang="en-US" altLang="zh-CN" sz="1600" dirty="0"/>
+            </a:br>
+            <a:r>
+              <a:rPr lang="en-US" altLang="zh-CN" sz="2400" dirty="0"/>
+              <a:t>	</a:t>
+            </a:r>
+            <a:endParaRPr lang="zh-CN" altLang="en-US" sz="2400" dirty="0"/>
+          </a:p>
+        </p:txBody>
+      </p:sp>
+      <p:sp>
+        <p:nvSpPr>
+          <p:cNvPr id="3" name="内容占位符 2">
+            <a:extLst>
+              <a:ext uri="{FF2B5EF4-FFF2-40B4-BE49-F238E27FC236}">
+                <a16:creationId xmlns:a16="http://schemas.microsoft.com/office/drawing/2014/main" id="{BF04E1AE-2EDE-4372-8C56-BAD4D93ADF6C}"/>
+              </a:ext>
+            </a:extLst>
+          </p:cNvPr>
+          <p:cNvSpPr>
+            <a:spLocks noGrp="1"/>
+          </p:cNvSpPr>
+          <p:nvPr>
+            <p:ph idx="1"/>
+          </p:nvPr>
+        </p:nvSpPr>
+        <p:spPr>
+          <a:xfrm>
+            <a:off x="1103312" y="1677880"/>
+            <a:ext cx="8946541" cy="4570520"/>
+          </a:xfrm>
+        </p:spPr>
+        <p:txBody>
+          <a:bodyPr>
+            <a:normAutofit/>
+          </a:bodyPr>
+          <a:lstStyle/>
+          <a:p>
+            <a:pPr marL="0" indent="0">
+              <a:buNone/>
+            </a:pPr>
+            <a:r>
+              <a:rPr lang="en-US" altLang="zh-CN" dirty="0"/>
+              <a:t>10.4.1 </a:t>
+            </a:r>
+            <a:r>
+              <a:rPr lang="zh-CN" altLang="en-US" dirty="0"/>
+              <a:t>在函数定义中用数组表示指针</a:t>
+            </a:r>
+            <a:endParaRPr lang="en-US" altLang="zh-CN" dirty="0"/>
+          </a:p>
+          <a:p>
+            <a:pPr marL="0" indent="0">
+              <a:buNone/>
+            </a:pPr>
+            <a:r>
+              <a:rPr lang="en-US" altLang="zh-CN" dirty="0"/>
+              <a:t>	</a:t>
+            </a:r>
+            <a:r>
+              <a:rPr lang="zh-CN" altLang="en-US" sz="1600" dirty="0">
+                <a:latin typeface="+mn-ea"/>
+                <a:ea typeface="+mn-ea"/>
+              </a:rPr>
+              <a:t>在本质上数组表示和指针表示是等效的方法</a:t>
+            </a:r>
+            <a:endParaRPr lang="en-US" altLang="zh-CN" sz="1600" dirty="0">
+              <a:latin typeface="+mn-ea"/>
+              <a:ea typeface="+mn-ea"/>
+            </a:endParaRPr>
+          </a:p>
+          <a:p>
+            <a:pPr lvl="1">
+              <a:buFont typeface="Wingdings" panose="05000000000000000000" pitchFamily="2" charset="2"/>
+              <a:buChar char="Ø"/>
+            </a:pPr>
+            <a:r>
+              <a:rPr lang="en-US" altLang="zh-CN" sz="1600" dirty="0">
+                <a:latin typeface="+mn-ea"/>
+                <a:ea typeface="+mn-ea"/>
+              </a:rPr>
+              <a:t>int sum(int *</a:t>
+            </a:r>
+            <a:r>
+              <a:rPr lang="en-US" altLang="zh-CN" sz="1600" dirty="0" err="1">
+                <a:latin typeface="+mn-ea"/>
+                <a:ea typeface="+mn-ea"/>
+              </a:rPr>
+              <a:t>arr,int</a:t>
+            </a:r>
+            <a:r>
+              <a:rPr lang="en-US" altLang="zh-CN" sz="1600" dirty="0">
+                <a:latin typeface="+mn-ea"/>
+                <a:ea typeface="+mn-ea"/>
+              </a:rPr>
+              <a:t> n){</a:t>
+            </a:r>
+          </a:p>
+          <a:p>
+            <a:pPr marL="457200" lvl="1" indent="0">
+              <a:buNone/>
+            </a:pPr>
+            <a:r>
+              <a:rPr lang="en-US" altLang="zh-CN" sz="1600" dirty="0">
+                <a:latin typeface="+mn-ea"/>
+                <a:ea typeface="+mn-ea"/>
+              </a:rPr>
+              <a:t>   	int </a:t>
+            </a:r>
+            <a:r>
+              <a:rPr lang="en-US" altLang="zh-CN" sz="1600" dirty="0" err="1">
+                <a:latin typeface="+mn-ea"/>
+                <a:ea typeface="+mn-ea"/>
+              </a:rPr>
+              <a:t>i</a:t>
+            </a:r>
+            <a:r>
+              <a:rPr lang="en-US" altLang="zh-CN" sz="1600" dirty="0">
+                <a:latin typeface="+mn-ea"/>
+                <a:ea typeface="+mn-ea"/>
+              </a:rPr>
+              <a:t>; total = 0;</a:t>
+            </a:r>
+          </a:p>
+          <a:p>
+            <a:pPr marL="457200" lvl="1" indent="0">
+              <a:buNone/>
+            </a:pPr>
+            <a:r>
+              <a:rPr lang="en-US" altLang="zh-CN" sz="1600" dirty="0">
+                <a:latin typeface="+mn-ea"/>
+                <a:ea typeface="+mn-ea"/>
+              </a:rPr>
+              <a:t>	for(</a:t>
+            </a:r>
+            <a:r>
+              <a:rPr lang="en-US" altLang="zh-CN" sz="1600" dirty="0" err="1">
+                <a:latin typeface="+mn-ea"/>
+                <a:ea typeface="+mn-ea"/>
+              </a:rPr>
+              <a:t>i</a:t>
+            </a:r>
+            <a:r>
+              <a:rPr lang="en-US" altLang="zh-CN" sz="1600" dirty="0">
+                <a:latin typeface="+mn-ea"/>
+                <a:ea typeface="+mn-ea"/>
+              </a:rPr>
+              <a:t> = 0;i &lt; </a:t>
+            </a:r>
+            <a:r>
+              <a:rPr lang="en-US" altLang="zh-CN" sz="1600" dirty="0" err="1">
+                <a:latin typeface="+mn-ea"/>
+                <a:ea typeface="+mn-ea"/>
+              </a:rPr>
+              <a:t>n;i</a:t>
+            </a:r>
+            <a:r>
+              <a:rPr lang="en-US" altLang="zh-CN" sz="1600" dirty="0">
+                <a:latin typeface="+mn-ea"/>
+                <a:ea typeface="+mn-ea"/>
+              </a:rPr>
+              <a:t> ++)</a:t>
+            </a:r>
+          </a:p>
+          <a:p>
+            <a:pPr marL="457200" lvl="1" indent="0">
+              <a:buNone/>
+            </a:pPr>
+            <a:r>
+              <a:rPr lang="en-US" altLang="zh-CN" sz="1600" dirty="0">
+                <a:latin typeface="+mn-ea"/>
+                <a:ea typeface="+mn-ea"/>
+              </a:rPr>
+              <a:t>		total += </a:t>
+            </a:r>
+            <a:r>
+              <a:rPr lang="en-US" altLang="zh-CN" sz="1600" dirty="0" err="1">
+                <a:latin typeface="+mn-ea"/>
+                <a:ea typeface="+mn-ea"/>
+              </a:rPr>
+              <a:t>arr</a:t>
+            </a:r>
+            <a:r>
+              <a:rPr lang="en-US" altLang="zh-CN" sz="1600" dirty="0">
+                <a:latin typeface="+mn-ea"/>
+                <a:ea typeface="+mn-ea"/>
+              </a:rPr>
+              <a:t>[</a:t>
+            </a:r>
+            <a:r>
+              <a:rPr lang="en-US" altLang="zh-CN" sz="1600" dirty="0" err="1">
+                <a:latin typeface="+mn-ea"/>
+                <a:ea typeface="+mn-ea"/>
+              </a:rPr>
+              <a:t>i</a:t>
+            </a:r>
+            <a:r>
+              <a:rPr lang="en-US" altLang="zh-CN" sz="1600" dirty="0">
+                <a:latin typeface="+mn-ea"/>
+                <a:ea typeface="+mn-ea"/>
+              </a:rPr>
+              <a:t>];</a:t>
+            </a:r>
+          </a:p>
+          <a:p>
+            <a:pPr marL="457200" lvl="1" indent="0">
+              <a:buNone/>
+            </a:pPr>
+            <a:r>
+              <a:rPr lang="en-US" altLang="zh-CN" sz="1600" dirty="0">
+                <a:latin typeface="+mn-ea"/>
+                <a:ea typeface="+mn-ea"/>
+              </a:rPr>
+              <a:t>	return total;</a:t>
+            </a:r>
+          </a:p>
+          <a:p>
+            <a:pPr marL="457200" lvl="1" indent="0">
+              <a:buNone/>
+            </a:pPr>
+            <a:r>
+              <a:rPr lang="en-US" altLang="zh-CN" sz="1600" dirty="0">
+                <a:latin typeface="+mn-ea"/>
+                <a:ea typeface="+mn-ea"/>
+              </a:rPr>
+              <a:t>}</a:t>
+            </a:r>
+          </a:p>
+          <a:p>
+            <a:pPr lvl="1">
+              <a:buFont typeface="Wingdings" panose="05000000000000000000" pitchFamily="2" charset="2"/>
+              <a:buChar char="Ø"/>
+            </a:pPr>
+            <a:r>
+              <a:rPr lang="en-US" altLang="zh-CN" sz="1600" dirty="0">
+                <a:latin typeface="+mn-ea"/>
+                <a:ea typeface="+mn-ea"/>
+              </a:rPr>
+              <a:t>C</a:t>
+            </a:r>
+            <a:r>
+              <a:rPr lang="zh-CN" altLang="en-US" sz="1600" dirty="0">
+                <a:latin typeface="+mn-ea"/>
+                <a:ea typeface="+mn-ea"/>
+              </a:rPr>
+              <a:t>中把</a:t>
+            </a:r>
+            <a:r>
+              <a:rPr lang="en-US" altLang="zh-CN" sz="1600" dirty="0">
+                <a:latin typeface="+mn-ea"/>
+                <a:ea typeface="+mn-ea"/>
+              </a:rPr>
+              <a:t>int </a:t>
+            </a:r>
+            <a:r>
+              <a:rPr lang="en-US" altLang="zh-CN" sz="1600" dirty="0" err="1">
+                <a:latin typeface="+mn-ea"/>
+                <a:ea typeface="+mn-ea"/>
+              </a:rPr>
+              <a:t>arr</a:t>
+            </a:r>
+            <a:r>
+              <a:rPr lang="en-US" altLang="zh-CN" sz="1600" dirty="0">
+                <a:latin typeface="+mn-ea"/>
+                <a:ea typeface="+mn-ea"/>
+              </a:rPr>
+              <a:t>[]</a:t>
+            </a:r>
+            <a:r>
+              <a:rPr lang="zh-CN" altLang="en-US" sz="1600" dirty="0">
+                <a:latin typeface="+mn-ea"/>
+                <a:ea typeface="+mn-ea"/>
+              </a:rPr>
+              <a:t>和</a:t>
+            </a:r>
+            <a:r>
+              <a:rPr lang="en-US" altLang="zh-CN" sz="1600" dirty="0">
+                <a:latin typeface="+mn-ea"/>
+                <a:ea typeface="+mn-ea"/>
+              </a:rPr>
+              <a:t>int *</a:t>
+            </a:r>
+            <a:r>
+              <a:rPr lang="en-US" altLang="zh-CN" sz="1600" dirty="0" err="1">
+                <a:latin typeface="+mn-ea"/>
+                <a:ea typeface="+mn-ea"/>
+              </a:rPr>
+              <a:t>arr</a:t>
+            </a:r>
+            <a:r>
+              <a:rPr lang="zh-CN" altLang="en-US" sz="1600" dirty="0">
+                <a:latin typeface="+mn-ea"/>
+                <a:ea typeface="+mn-ea"/>
+              </a:rPr>
+              <a:t>解释为一样</a:t>
+            </a:r>
+            <a:endParaRPr lang="en-US" altLang="zh-CN" sz="1600" dirty="0">
+              <a:latin typeface="+mn-ea"/>
+              <a:ea typeface="+mn-ea"/>
+            </a:endParaRPr>
+          </a:p>
+          <a:p>
+            <a:pPr lvl="1">
+              <a:buFont typeface="Wingdings" panose="05000000000000000000" pitchFamily="2" charset="2"/>
+              <a:buChar char="Ø"/>
+            </a:pPr>
+            <a:r>
+              <a:rPr lang="zh-CN" altLang="en-US" sz="1600" dirty="0">
+                <a:latin typeface="+mn-ea"/>
+                <a:ea typeface="+mn-ea"/>
+              </a:rPr>
+              <a:t>处理数组的函数实际上用指针作为参数，但是在定义中可以任意选择数组表示法和指针表示法，数组表示法更形象，意图性更强</a:t>
+            </a:r>
+            <a:endParaRPr lang="en-US" altLang="zh-CN" sz="1600" dirty="0">
+              <a:latin typeface="+mn-ea"/>
+              <a:ea typeface="+mn-ea"/>
+            </a:endParaRPr>
+          </a:p>
+          <a:p>
+            <a:pPr marL="457200" lvl="1" indent="0">
+              <a:buNone/>
+            </a:pPr>
+            <a:r>
+              <a:rPr lang="en-US" altLang="zh-CN" sz="1600" dirty="0">
+                <a:latin typeface="+mn-ea"/>
+                <a:ea typeface="+mn-ea"/>
+              </a:rPr>
+              <a:t>	</a:t>
+            </a:r>
+          </a:p>
+        </p:txBody>
+      </p:sp>
+    </p:spTree>
+    <p:extLst>
+      <p:ext uri="{BB962C8B-B14F-4D97-AF65-F5344CB8AC3E}">
+        <p14:creationId xmlns:p14="http://schemas.microsoft.com/office/powerpoint/2010/main" val="2339467023"/>
+      </p:ext>
+    </p:extLst>
+  </p:cSld>
+  <p:clrMapOvr>
+    <a:masterClrMapping/>
+  </p:clrMapOvr>
+</p:sld>
+</file>
+
+<file path=ppt/slides/slide9.xml><?xml version="1.0" encoding="utf-8"?>
+<p:sld xmlns:a="http://schemas.openxmlformats.org/drawingml/2006/main" xmlns:r="http://schemas.openxmlformats.org/officeDocument/2006/relationships" xmlns:p="http://schemas.openxmlformats.org/presentationml/2006/main">
+  <p:cSld>
+    <p:spTree>
+      <p:nvGrpSpPr>
+        <p:cNvPr id="1" name=""/>
+        <p:cNvGrpSpPr/>
+        <p:nvPr/>
+      </p:nvGrpSpPr>
+      <p:grpSpPr>
+        <a:xfrm>
+          <a:off x="0" y="0"/>
+          <a:ext cx="0" cy="0"/>
+          <a:chOff x="0" y="0"/>
+          <a:chExt cx="0" cy="0"/>
+        </a:xfrm>
+      </p:grpSpPr>
+      <p:sp>
+        <p:nvSpPr>
+          <p:cNvPr id="2" name="标题 1">
+            <a:extLst>
+              <a:ext uri="{FF2B5EF4-FFF2-40B4-BE49-F238E27FC236}">
+                <a16:creationId xmlns:a16="http://schemas.microsoft.com/office/drawing/2014/main" id="{BA890E1A-8EC4-4550-B1C9-1FA67753E25F}"/>
+              </a:ext>
+            </a:extLst>
+          </p:cNvPr>
+          <p:cNvSpPr>
+            <a:spLocks noGrp="1"/>
+          </p:cNvSpPr>
+          <p:nvPr>
+            <p:ph type="title"/>
+          </p:nvPr>
+        </p:nvSpPr>
+        <p:spPr>
+          <a:xfrm>
+            <a:off x="646111" y="452718"/>
+            <a:ext cx="9404723" cy="905565"/>
+          </a:xfrm>
+        </p:spPr>
+        <p:txBody>
+          <a:bodyPr/>
+          <a:lstStyle/>
+          <a:p>
+            <a:r>
+              <a:rPr lang="en-US" altLang="zh-CN" sz="2400" dirty="0"/>
+              <a:t>10.5 </a:t>
+            </a:r>
+            <a:r>
+              <a:rPr lang="zh-CN" altLang="en-US" sz="2400" dirty="0"/>
+              <a:t>指针操作</a:t>
+            </a:r>
+            <a:br>
+              <a:rPr lang="en-US" altLang="zh-CN" sz="2400" dirty="0"/>
+            </a:br>
+            <a:r>
+              <a:rPr lang="en-US" altLang="zh-CN" sz="2400" dirty="0"/>
+              <a:t>	</a:t>
+            </a:r>
+            <a:br>
+              <a:rPr lang="en-US" altLang="zh-CN" sz="1600" dirty="0"/>
+            </a:br>
+            <a:r>
+              <a:rPr lang="en-US" altLang="zh-CN" sz="2400" dirty="0"/>
+              <a:t>	</a:t>
+            </a:r>
+            <a:endParaRPr lang="zh-CN" altLang="en-US" sz="2400" dirty="0"/>
+          </a:p>
+        </p:txBody>
+      </p:sp>
+      <p:sp>
+        <p:nvSpPr>
+          <p:cNvPr id="3" name="内容占位符 2">
+            <a:extLst>
+              <a:ext uri="{FF2B5EF4-FFF2-40B4-BE49-F238E27FC236}">
+                <a16:creationId xmlns:a16="http://schemas.microsoft.com/office/drawing/2014/main" id="{BF04E1AE-2EDE-4372-8C56-BAD4D93ADF6C}"/>
+              </a:ext>
+            </a:extLst>
+          </p:cNvPr>
+          <p:cNvSpPr>
+            <a:spLocks noGrp="1"/>
+          </p:cNvSpPr>
+          <p:nvPr>
+            <p:ph idx="1"/>
+          </p:nvPr>
+        </p:nvSpPr>
+        <p:spPr>
+          <a:xfrm>
+            <a:off x="1103312" y="1136343"/>
+            <a:ext cx="8946541" cy="5112058"/>
+          </a:xfrm>
+        </p:spPr>
+        <p:txBody>
+          <a:bodyPr>
+            <a:normAutofit/>
+          </a:bodyPr>
+          <a:lstStyle/>
+          <a:p>
+            <a:pPr marL="0" indent="0">
+              <a:buNone/>
+            </a:pPr>
+            <a:r>
+              <a:rPr lang="zh-CN" altLang="en-US" sz="1600" dirty="0">
+                <a:latin typeface="+mn-ea"/>
+                <a:ea typeface="+mn-ea"/>
+              </a:rPr>
+              <a:t>指针变量的基本操作</a:t>
+            </a:r>
+            <a:endParaRPr lang="en-US" altLang="zh-CN" sz="1600" dirty="0">
+              <a:latin typeface="+mn-ea"/>
+              <a:ea typeface="+mn-ea"/>
+            </a:endParaRPr>
+          </a:p>
+          <a:p>
+            <a:pPr lvl="1">
+              <a:buFont typeface="Wingdings" panose="05000000000000000000" pitchFamily="2" charset="2"/>
+              <a:buChar char="Ø"/>
+            </a:pPr>
+            <a:r>
+              <a:rPr lang="zh-CN" altLang="en-US" sz="1600" dirty="0">
+                <a:latin typeface="+mn-ea"/>
+                <a:ea typeface="+mn-ea"/>
+              </a:rPr>
+              <a:t>赋值：把地址复制给指针，通过数组名或者变量取地址符赋值给指针变量</a:t>
+            </a:r>
+            <a:endParaRPr lang="en-US" altLang="zh-CN" sz="1600" dirty="0">
+              <a:latin typeface="+mn-ea"/>
+              <a:ea typeface="+mn-ea"/>
+            </a:endParaRPr>
+          </a:p>
+          <a:p>
+            <a:pPr lvl="1">
+              <a:buFont typeface="Wingdings" panose="05000000000000000000" pitchFamily="2" charset="2"/>
+              <a:buChar char="Ø"/>
+            </a:pPr>
+            <a:r>
+              <a:rPr lang="zh-CN" altLang="en-US" sz="1600" dirty="0">
+                <a:latin typeface="+mn-ea"/>
+                <a:ea typeface="+mn-ea"/>
+              </a:rPr>
+              <a:t>解引用：</a:t>
+            </a:r>
+            <a:r>
+              <a:rPr lang="en-US" altLang="zh-CN" sz="1600" dirty="0">
+                <a:latin typeface="+mn-ea"/>
+                <a:ea typeface="+mn-ea"/>
+              </a:rPr>
+              <a:t>*	</a:t>
+            </a:r>
+            <a:r>
+              <a:rPr lang="zh-CN" altLang="en-US" sz="1600" dirty="0">
+                <a:latin typeface="+mn-ea"/>
+                <a:ea typeface="+mn-ea"/>
+              </a:rPr>
+              <a:t>运算符给出指针指向地址的值</a:t>
+            </a:r>
+            <a:endParaRPr lang="en-US" altLang="zh-CN" sz="1600" dirty="0">
+              <a:latin typeface="+mn-ea"/>
+              <a:ea typeface="+mn-ea"/>
+            </a:endParaRPr>
+          </a:p>
+          <a:p>
+            <a:pPr lvl="1">
+              <a:buFont typeface="Wingdings" panose="05000000000000000000" pitchFamily="2" charset="2"/>
+              <a:buChar char="Ø"/>
+            </a:pPr>
+            <a:r>
+              <a:rPr lang="zh-CN" altLang="en-US" sz="1600" dirty="0">
+                <a:latin typeface="+mn-ea"/>
+                <a:ea typeface="+mn-ea"/>
+              </a:rPr>
+              <a:t>取址：指针变量也有自己的地址</a:t>
+            </a:r>
+            <a:endParaRPr lang="en-US" altLang="zh-CN" sz="1600" dirty="0">
+              <a:latin typeface="+mn-ea"/>
+              <a:ea typeface="+mn-ea"/>
+            </a:endParaRPr>
+          </a:p>
+          <a:p>
+            <a:pPr lvl="1">
+              <a:buFont typeface="Wingdings" panose="05000000000000000000" pitchFamily="2" charset="2"/>
+              <a:buChar char="Ø"/>
+            </a:pPr>
+            <a:r>
+              <a:rPr lang="zh-CN" altLang="en-US" sz="1600" dirty="0">
+                <a:latin typeface="+mn-ea"/>
+                <a:ea typeface="+mn-ea"/>
+              </a:rPr>
+              <a:t>指针与整数相加：指针与整数相加，指针指向内存地址会增加整数与指针类型占用大小相乘</a:t>
+            </a:r>
+            <a:endParaRPr lang="en-US" altLang="zh-CN" sz="1600" dirty="0">
+              <a:latin typeface="+mn-ea"/>
+              <a:ea typeface="+mn-ea"/>
+            </a:endParaRPr>
+          </a:p>
+          <a:p>
+            <a:pPr lvl="1">
+              <a:buFont typeface="Wingdings" panose="05000000000000000000" pitchFamily="2" charset="2"/>
+              <a:buChar char="Ø"/>
+            </a:pPr>
+            <a:r>
+              <a:rPr lang="zh-CN" altLang="en-US" sz="1600" dirty="0">
+                <a:latin typeface="+mn-ea"/>
+                <a:ea typeface="+mn-ea"/>
+              </a:rPr>
+              <a:t>递增指针：</a:t>
+            </a:r>
+            <a:endParaRPr lang="en-US" altLang="zh-CN" sz="1600" dirty="0">
+              <a:latin typeface="+mn-ea"/>
+              <a:ea typeface="+mn-ea"/>
+            </a:endParaRPr>
+          </a:p>
+          <a:p>
+            <a:pPr lvl="1">
+              <a:buFont typeface="Wingdings" panose="05000000000000000000" pitchFamily="2" charset="2"/>
+              <a:buChar char="Ø"/>
+            </a:pPr>
+            <a:r>
+              <a:rPr lang="zh-CN" altLang="en-US" sz="1600" dirty="0">
+                <a:latin typeface="+mn-ea"/>
+                <a:ea typeface="+mn-ea"/>
+              </a:rPr>
+              <a:t>递减指针：</a:t>
+            </a:r>
+            <a:endParaRPr lang="en-US" altLang="zh-CN" sz="1600" dirty="0">
+              <a:latin typeface="+mn-ea"/>
+              <a:ea typeface="+mn-ea"/>
+            </a:endParaRPr>
+          </a:p>
+          <a:p>
+            <a:pPr lvl="1">
+              <a:buFont typeface="Wingdings" panose="05000000000000000000" pitchFamily="2" charset="2"/>
+              <a:buChar char="Ø"/>
+            </a:pPr>
+            <a:r>
+              <a:rPr lang="zh-CN" altLang="en-US" sz="1600">
+                <a:latin typeface="+mn-ea"/>
+                <a:ea typeface="+mn-ea"/>
+              </a:rPr>
+              <a:t>指针求差：指针在相同的数组，求得是数组直接的间距，对于不同数组或者不同类型的数组或者变量意义不大</a:t>
+            </a:r>
+            <a:endParaRPr lang="en-US" altLang="zh-CN" sz="1600" dirty="0">
+              <a:latin typeface="+mn-ea"/>
+              <a:ea typeface="+mn-ea"/>
+            </a:endParaRPr>
+          </a:p>
+        </p:txBody>
+      </p:sp>
+    </p:spTree>
+    <p:extLst>
+      <p:ext uri="{BB962C8B-B14F-4D97-AF65-F5344CB8AC3E}">
+        <p14:creationId xmlns:p14="http://schemas.microsoft.com/office/powerpoint/2010/main" val="205123750"/>
       </p:ext>
     </p:extLst>
   </p:cSld>

--- a/10数组和指针.pptx
+++ b/10数组和指针.pptx
@@ -14,6 +14,9 @@
     <p:sldId id="262" r:id="rId8"/>
     <p:sldId id="264" r:id="rId9"/>
     <p:sldId id="265" r:id="rId10"/>
+    <p:sldId id="266" r:id="rId11"/>
+    <p:sldId id="267" r:id="rId12"/>
+    <p:sldId id="268" r:id="rId13"/>
   </p:sldIdLst>
   <p:sldSz cx="12192000" cy="6858000"/>
   <p:notesSz cx="6858000" cy="9144000"/>
@@ -6254,6 +6257,1774 @@
 </p:sld>
 </file>
 
+<file path=ppt/slides/slide10.xml><?xml version="1.0" encoding="utf-8"?>
+<p:sld xmlns:a="http://schemas.openxmlformats.org/drawingml/2006/main" xmlns:r="http://schemas.openxmlformats.org/officeDocument/2006/relationships" xmlns:p="http://schemas.openxmlformats.org/presentationml/2006/main">
+  <p:cSld>
+    <p:spTree>
+      <p:nvGrpSpPr>
+        <p:cNvPr id="1" name=""/>
+        <p:cNvGrpSpPr/>
+        <p:nvPr/>
+      </p:nvGrpSpPr>
+      <p:grpSpPr>
+        <a:xfrm>
+          <a:off x="0" y="0"/>
+          <a:ext cx="0" cy="0"/>
+          <a:chOff x="0" y="0"/>
+          <a:chExt cx="0" cy="0"/>
+        </a:xfrm>
+      </p:grpSpPr>
+      <p:sp>
+        <p:nvSpPr>
+          <p:cNvPr id="2" name="标题 1">
+            <a:extLst>
+              <a:ext uri="{FF2B5EF4-FFF2-40B4-BE49-F238E27FC236}">
+                <a16:creationId xmlns:a16="http://schemas.microsoft.com/office/drawing/2014/main" id="{BA890E1A-8EC4-4550-B1C9-1FA67753E25F}"/>
+              </a:ext>
+            </a:extLst>
+          </p:cNvPr>
+          <p:cNvSpPr>
+            <a:spLocks noGrp="1"/>
+          </p:cNvSpPr>
+          <p:nvPr>
+            <p:ph type="title"/>
+          </p:nvPr>
+        </p:nvSpPr>
+        <p:spPr>
+          <a:xfrm>
+            <a:off x="646111" y="452718"/>
+            <a:ext cx="9404723" cy="905565"/>
+          </a:xfrm>
+        </p:spPr>
+        <p:txBody>
+          <a:bodyPr/>
+          <a:lstStyle/>
+          <a:p>
+            <a:r>
+              <a:rPr lang="en-US" altLang="zh-CN" sz="2400" dirty="0"/>
+              <a:t>10.6 </a:t>
+            </a:r>
+            <a:r>
+              <a:rPr lang="zh-CN" altLang="en-US" sz="2400" dirty="0"/>
+              <a:t>保护数组中的数据</a:t>
+            </a:r>
+            <a:br>
+              <a:rPr lang="en-US" altLang="zh-CN" sz="2400" dirty="0"/>
+            </a:br>
+            <a:r>
+              <a:rPr lang="en-US" altLang="zh-CN" sz="2400" dirty="0"/>
+              <a:t>	</a:t>
+            </a:r>
+            <a:br>
+              <a:rPr lang="en-US" altLang="zh-CN" sz="1600" dirty="0"/>
+            </a:br>
+            <a:r>
+              <a:rPr lang="en-US" altLang="zh-CN" sz="2400" dirty="0"/>
+              <a:t>	</a:t>
+            </a:r>
+            <a:endParaRPr lang="zh-CN" altLang="en-US" sz="2400" dirty="0"/>
+          </a:p>
+        </p:txBody>
+      </p:sp>
+      <p:sp>
+        <p:nvSpPr>
+          <p:cNvPr id="3" name="内容占位符 2">
+            <a:extLst>
+              <a:ext uri="{FF2B5EF4-FFF2-40B4-BE49-F238E27FC236}">
+                <a16:creationId xmlns:a16="http://schemas.microsoft.com/office/drawing/2014/main" id="{BF04E1AE-2EDE-4372-8C56-BAD4D93ADF6C}"/>
+              </a:ext>
+            </a:extLst>
+          </p:cNvPr>
+          <p:cNvSpPr>
+            <a:spLocks noGrp="1"/>
+          </p:cNvSpPr>
+          <p:nvPr>
+            <p:ph idx="1"/>
+          </p:nvPr>
+        </p:nvSpPr>
+        <p:spPr>
+          <a:xfrm>
+            <a:off x="1103312" y="896645"/>
+            <a:ext cx="8946541" cy="5805996"/>
+          </a:xfrm>
+        </p:spPr>
+        <p:txBody>
+          <a:bodyPr>
+            <a:normAutofit fontScale="85000" lnSpcReduction="20000"/>
+          </a:bodyPr>
+          <a:lstStyle/>
+          <a:p>
+            <a:pPr marL="0" indent="0">
+              <a:buNone/>
+            </a:pPr>
+            <a:r>
+              <a:rPr lang="zh-CN" altLang="en-US" sz="1600" dirty="0">
+                <a:latin typeface="+mn-ea"/>
+                <a:ea typeface="+mn-ea"/>
+              </a:rPr>
+              <a:t>在处理一个基本数据类型的函数时，选择传值还是传指针</a:t>
+            </a:r>
+            <a:r>
+              <a:rPr lang="en-US" altLang="zh-CN" sz="1600" dirty="0">
+                <a:latin typeface="+mn-ea"/>
+                <a:ea typeface="+mn-ea"/>
+              </a:rPr>
+              <a:t>:</a:t>
+            </a:r>
+          </a:p>
+          <a:p>
+            <a:pPr marL="0" indent="0">
+              <a:buNone/>
+            </a:pPr>
+            <a:r>
+              <a:rPr lang="en-US" altLang="zh-CN" sz="1600" dirty="0">
+                <a:latin typeface="+mn-ea"/>
+                <a:ea typeface="+mn-ea"/>
+              </a:rPr>
+              <a:t>	</a:t>
+            </a:r>
+            <a:r>
+              <a:rPr lang="zh-CN" altLang="en-US" sz="1600" dirty="0">
+                <a:latin typeface="+mn-ea"/>
+                <a:ea typeface="+mn-ea"/>
+              </a:rPr>
+              <a:t>通常情况下都是传值，只有想在函数中改变该数值才会传指针</a:t>
+            </a:r>
+            <a:endParaRPr lang="en-US" altLang="zh-CN" sz="1600" dirty="0">
+              <a:latin typeface="+mn-ea"/>
+              <a:ea typeface="+mn-ea"/>
+            </a:endParaRPr>
+          </a:p>
+          <a:p>
+            <a:pPr marL="0" indent="0">
+              <a:buNone/>
+            </a:pPr>
+            <a:r>
+              <a:rPr lang="en-US" altLang="zh-CN" sz="1600" dirty="0">
+                <a:latin typeface="+mn-ea"/>
+                <a:ea typeface="+mn-ea"/>
+              </a:rPr>
+              <a:t>	</a:t>
+            </a:r>
+            <a:r>
+              <a:rPr lang="zh-CN" altLang="en-US" sz="1600" dirty="0">
+                <a:latin typeface="+mn-ea"/>
+                <a:ea typeface="+mn-ea"/>
+              </a:rPr>
+              <a:t>对于数组来说，只有传递指针</a:t>
+            </a:r>
+            <a:endParaRPr lang="en-US" altLang="zh-CN" sz="1600" dirty="0">
+              <a:latin typeface="+mn-ea"/>
+              <a:ea typeface="+mn-ea"/>
+            </a:endParaRPr>
+          </a:p>
+          <a:p>
+            <a:pPr marL="0" indent="0">
+              <a:buNone/>
+            </a:pPr>
+            <a:r>
+              <a:rPr lang="en-US" altLang="zh-CN" sz="1600" dirty="0">
+                <a:latin typeface="+mn-ea"/>
+                <a:ea typeface="+mn-ea"/>
+              </a:rPr>
+              <a:t>	</a:t>
+            </a:r>
+            <a:r>
+              <a:rPr lang="zh-CN" altLang="en-US" sz="1600" dirty="0">
+                <a:latin typeface="+mn-ea"/>
+                <a:ea typeface="+mn-ea"/>
+              </a:rPr>
+              <a:t>在函数中会不经意间会改变数组的值，有时是我们需要的，有时不需要</a:t>
+            </a:r>
+            <a:endParaRPr lang="en-US" altLang="zh-CN" sz="1600" dirty="0">
+              <a:latin typeface="+mn-ea"/>
+              <a:ea typeface="+mn-ea"/>
+            </a:endParaRPr>
+          </a:p>
+          <a:p>
+            <a:pPr marL="0" indent="0">
+              <a:buNone/>
+            </a:pPr>
+            <a:r>
+              <a:rPr lang="en-US" altLang="zh-CN" sz="1600" dirty="0">
+                <a:latin typeface="+mn-ea"/>
+                <a:ea typeface="+mn-ea"/>
+              </a:rPr>
+              <a:t>	</a:t>
+            </a:r>
+            <a:r>
+              <a:rPr lang="zh-CN" altLang="en-US" sz="1600" dirty="0">
+                <a:latin typeface="+mn-ea"/>
+                <a:ea typeface="+mn-ea"/>
+              </a:rPr>
+              <a:t>在不需要的时候我们必须保护数组的值不改变，所以有了一下方式</a:t>
+            </a:r>
+            <a:endParaRPr lang="en-US" altLang="zh-CN" sz="1600" dirty="0">
+              <a:latin typeface="+mn-ea"/>
+              <a:ea typeface="+mn-ea"/>
+            </a:endParaRPr>
+          </a:p>
+          <a:p>
+            <a:pPr lvl="1">
+              <a:buFont typeface="Wingdings" panose="05000000000000000000" pitchFamily="2" charset="2"/>
+              <a:buChar char="Ø"/>
+            </a:pPr>
+            <a:r>
+              <a:rPr lang="zh-CN" altLang="en-US" sz="1400" dirty="0">
+                <a:latin typeface="+mn-ea"/>
+                <a:ea typeface="+mn-ea"/>
+              </a:rPr>
+              <a:t>对形式参数使用</a:t>
+            </a:r>
+            <a:r>
+              <a:rPr lang="en-US" altLang="zh-CN" sz="1400" dirty="0">
+                <a:latin typeface="+mn-ea"/>
+                <a:ea typeface="+mn-ea"/>
+              </a:rPr>
+              <a:t>const</a:t>
+            </a:r>
+          </a:p>
+          <a:p>
+            <a:pPr marL="914400" lvl="2" indent="0">
+              <a:buNone/>
+            </a:pPr>
+            <a:r>
+              <a:rPr lang="en-US" altLang="zh-CN" sz="1200" dirty="0">
+                <a:latin typeface="+mn-ea"/>
+                <a:ea typeface="+mn-ea"/>
+              </a:rPr>
+              <a:t>int sum(const int </a:t>
+            </a:r>
+            <a:r>
+              <a:rPr lang="en-US" altLang="zh-CN" sz="1200" dirty="0" err="1">
+                <a:latin typeface="+mn-ea"/>
+                <a:ea typeface="+mn-ea"/>
+              </a:rPr>
+              <a:t>arr</a:t>
+            </a:r>
+            <a:r>
+              <a:rPr lang="en-US" altLang="zh-CN" sz="1200" dirty="0">
+                <a:latin typeface="+mn-ea"/>
+                <a:ea typeface="+mn-ea"/>
+              </a:rPr>
+              <a:t>[],int n)</a:t>
+            </a:r>
+          </a:p>
+          <a:p>
+            <a:pPr marL="914400" lvl="2" indent="0">
+              <a:buNone/>
+            </a:pPr>
+            <a:r>
+              <a:rPr lang="zh-CN" altLang="en-US" sz="1200" dirty="0">
+                <a:latin typeface="+mn-ea"/>
+                <a:ea typeface="+mn-ea"/>
+              </a:rPr>
+              <a:t>这里的</a:t>
+            </a:r>
+            <a:r>
+              <a:rPr lang="en-US" altLang="zh-CN" sz="1200" dirty="0">
+                <a:latin typeface="+mn-ea"/>
+                <a:ea typeface="+mn-ea"/>
+              </a:rPr>
+              <a:t>const</a:t>
+            </a:r>
+            <a:r>
+              <a:rPr lang="zh-CN" altLang="en-US" sz="1200" dirty="0">
+                <a:latin typeface="+mn-ea"/>
+                <a:ea typeface="+mn-ea"/>
+              </a:rPr>
+              <a:t>修饰形参，不是要求原数组是常量，而是在函数中处理数组时可以把数组视作常量</a:t>
+            </a:r>
+            <a:endParaRPr lang="en-US" altLang="zh-CN" sz="1200" dirty="0">
+              <a:latin typeface="+mn-ea"/>
+              <a:ea typeface="+mn-ea"/>
+            </a:endParaRPr>
+          </a:p>
+          <a:p>
+            <a:pPr lvl="1">
+              <a:buFont typeface="Wingdings" panose="05000000000000000000" pitchFamily="2" charset="2"/>
+              <a:buChar char="Ø"/>
+            </a:pPr>
+            <a:r>
+              <a:rPr lang="en-US" altLang="zh-CN" sz="1400" dirty="0">
+                <a:latin typeface="+mn-ea"/>
+                <a:ea typeface="+mn-ea"/>
+              </a:rPr>
+              <a:t>const</a:t>
+            </a:r>
+            <a:r>
+              <a:rPr lang="zh-CN" altLang="en-US" sz="1400" dirty="0">
+                <a:latin typeface="+mn-ea"/>
+                <a:ea typeface="+mn-ea"/>
+              </a:rPr>
+              <a:t>的其他内容</a:t>
+            </a:r>
+            <a:endParaRPr lang="en-US" altLang="zh-CN" sz="1400" dirty="0">
+              <a:latin typeface="+mn-ea"/>
+              <a:ea typeface="+mn-ea"/>
+            </a:endParaRPr>
+          </a:p>
+          <a:p>
+            <a:pPr marL="914400" lvl="2" indent="0">
+              <a:buNone/>
+            </a:pPr>
+            <a:r>
+              <a:rPr lang="en-US" altLang="zh-CN" sz="1200" dirty="0">
+                <a:latin typeface="+mn-ea"/>
+                <a:ea typeface="+mn-ea"/>
+              </a:rPr>
+              <a:t>const</a:t>
+            </a:r>
+            <a:r>
+              <a:rPr lang="zh-CN" altLang="en-US" sz="1200" dirty="0">
+                <a:latin typeface="+mn-ea"/>
+                <a:ea typeface="+mn-ea"/>
+              </a:rPr>
+              <a:t>创建常量</a:t>
+            </a:r>
+            <a:r>
+              <a:rPr lang="en-US" altLang="zh-CN" sz="1000" dirty="0">
+                <a:latin typeface="+mn-ea"/>
+                <a:ea typeface="+mn-ea"/>
+              </a:rPr>
+              <a:t>:const int PI = 3.14</a:t>
+            </a:r>
+            <a:r>
+              <a:rPr lang="zh-CN" altLang="en-US" sz="1000" dirty="0">
+                <a:latin typeface="+mn-ea"/>
+                <a:ea typeface="+mn-ea"/>
+              </a:rPr>
+              <a:t>；</a:t>
+            </a:r>
+            <a:endParaRPr lang="en-US" altLang="zh-CN" sz="1000" dirty="0">
+              <a:latin typeface="+mn-ea"/>
+              <a:ea typeface="+mn-ea"/>
+            </a:endParaRPr>
+          </a:p>
+          <a:p>
+            <a:pPr marL="914400" lvl="2" indent="0">
+              <a:buNone/>
+            </a:pPr>
+            <a:r>
+              <a:rPr lang="en-US" altLang="zh-CN" sz="1000" dirty="0">
+                <a:latin typeface="+mn-ea"/>
+                <a:ea typeface="+mn-ea"/>
+              </a:rPr>
+              <a:t>const</a:t>
+            </a:r>
+            <a:r>
+              <a:rPr lang="zh-CN" altLang="en-US" sz="1000" dirty="0">
+                <a:latin typeface="+mn-ea"/>
+                <a:ea typeface="+mn-ea"/>
+              </a:rPr>
+              <a:t>保护数组</a:t>
+            </a:r>
+            <a:r>
+              <a:rPr lang="en-US" altLang="zh-CN" sz="1000" dirty="0">
+                <a:latin typeface="+mn-ea"/>
+                <a:ea typeface="+mn-ea"/>
+              </a:rPr>
+              <a:t>:const int days[MONTH] = {31,28,31,…};</a:t>
+            </a:r>
+          </a:p>
+          <a:p>
+            <a:pPr marL="914400" lvl="2" indent="0">
+              <a:buNone/>
+            </a:pPr>
+            <a:r>
+              <a:rPr lang="en-US" altLang="zh-CN" sz="1200" dirty="0">
+                <a:latin typeface="+mn-ea"/>
+                <a:ea typeface="+mn-ea"/>
+              </a:rPr>
+              <a:t>const</a:t>
+            </a:r>
+            <a:r>
+              <a:rPr lang="zh-CN" altLang="en-US" sz="1200" dirty="0">
+                <a:latin typeface="+mn-ea"/>
+                <a:ea typeface="+mn-ea"/>
+              </a:rPr>
+              <a:t>修饰指针</a:t>
+            </a:r>
+            <a:r>
+              <a:rPr lang="en-US" altLang="zh-CN" sz="1200" dirty="0">
+                <a:latin typeface="+mn-ea"/>
+                <a:ea typeface="+mn-ea"/>
+              </a:rPr>
+              <a:t>:</a:t>
+            </a:r>
+            <a:r>
+              <a:rPr lang="zh-CN" altLang="en-US" sz="1200" dirty="0">
+                <a:latin typeface="+mn-ea"/>
+                <a:ea typeface="+mn-ea"/>
+              </a:rPr>
+              <a:t>不能通过指针去修改指向地方的值，无论是数组法还是指针法</a:t>
+            </a:r>
+            <a:endParaRPr lang="en-US" altLang="zh-CN" sz="1200" dirty="0">
+              <a:latin typeface="+mn-ea"/>
+              <a:ea typeface="+mn-ea"/>
+            </a:endParaRPr>
+          </a:p>
+          <a:p>
+            <a:pPr marL="914400" lvl="2" indent="0">
+              <a:buNone/>
+            </a:pPr>
+            <a:r>
+              <a:rPr lang="zh-CN" altLang="en-US" sz="1200" dirty="0">
+                <a:latin typeface="+mn-ea"/>
+                <a:ea typeface="+mn-ea"/>
+              </a:rPr>
+              <a:t>但是可以让指针指向别处</a:t>
+            </a:r>
+            <a:endParaRPr lang="en-US" altLang="zh-CN" sz="1200" dirty="0">
+              <a:latin typeface="+mn-ea"/>
+              <a:ea typeface="+mn-ea"/>
+            </a:endParaRPr>
+          </a:p>
+          <a:p>
+            <a:pPr marL="914400" lvl="2" indent="0">
+              <a:buNone/>
+            </a:pPr>
+            <a:r>
+              <a:rPr lang="en-US" altLang="zh-CN" sz="1200" dirty="0">
+                <a:latin typeface="+mn-ea"/>
+                <a:ea typeface="+mn-ea"/>
+              </a:rPr>
+              <a:t>	double rates[5] ={33.4</a:t>
+            </a:r>
+            <a:r>
+              <a:rPr lang="zh-CN" altLang="en-US" sz="1200" dirty="0">
+                <a:latin typeface="+mn-ea"/>
+                <a:ea typeface="+mn-ea"/>
+              </a:rPr>
+              <a:t>，</a:t>
+            </a:r>
+            <a:r>
+              <a:rPr lang="en-US" altLang="zh-CN" sz="1200" dirty="0">
+                <a:latin typeface="+mn-ea"/>
+                <a:ea typeface="+mn-ea"/>
+              </a:rPr>
+              <a:t>25.7,12.3,67.0,34.2};</a:t>
+            </a:r>
+          </a:p>
+          <a:p>
+            <a:pPr marL="914400" lvl="2" indent="0">
+              <a:buNone/>
+            </a:pPr>
+            <a:r>
+              <a:rPr lang="en-US" altLang="zh-CN" sz="1200" dirty="0">
+                <a:latin typeface="+mn-ea"/>
+                <a:ea typeface="+mn-ea"/>
+              </a:rPr>
+              <a:t>	const double *pd = rates;</a:t>
+            </a:r>
+          </a:p>
+          <a:p>
+            <a:pPr marL="914400" lvl="2" indent="0">
+              <a:buNone/>
+            </a:pPr>
+            <a:r>
+              <a:rPr lang="en-US" altLang="zh-CN" sz="1200" dirty="0">
+                <a:latin typeface="+mn-ea"/>
+                <a:ea typeface="+mn-ea"/>
+              </a:rPr>
+              <a:t>	</a:t>
+            </a:r>
+            <a:r>
+              <a:rPr lang="zh-CN" altLang="en-US" sz="1200" dirty="0">
+                <a:latin typeface="+mn-ea"/>
+                <a:ea typeface="+mn-ea"/>
+              </a:rPr>
+              <a:t>则以下行为不被允许</a:t>
+            </a:r>
+            <a:r>
+              <a:rPr lang="en-US" altLang="zh-CN" sz="1200" dirty="0">
+                <a:latin typeface="+mn-ea"/>
+                <a:ea typeface="+mn-ea"/>
+              </a:rPr>
+              <a:t>:*pd = 34.5;pd[2] =43;</a:t>
+            </a:r>
+          </a:p>
+          <a:p>
+            <a:pPr marL="914400" lvl="2" indent="0">
+              <a:buNone/>
+            </a:pPr>
+            <a:r>
+              <a:rPr lang="en-US" altLang="zh-CN" sz="1200" dirty="0">
+                <a:latin typeface="+mn-ea"/>
+                <a:ea typeface="+mn-ea"/>
+              </a:rPr>
+              <a:t>	rates[2] = 32.7;</a:t>
+            </a:r>
+            <a:r>
+              <a:rPr lang="zh-CN" altLang="en-US" sz="1200" dirty="0">
+                <a:latin typeface="+mn-ea"/>
+                <a:ea typeface="+mn-ea"/>
+              </a:rPr>
+              <a:t>可以，因为</a:t>
+            </a:r>
+            <a:r>
+              <a:rPr lang="en-US" altLang="zh-CN" sz="1200" dirty="0">
+                <a:latin typeface="+mn-ea"/>
+                <a:ea typeface="+mn-ea"/>
+              </a:rPr>
+              <a:t>rates</a:t>
+            </a:r>
+            <a:r>
+              <a:rPr lang="zh-CN" altLang="en-US" sz="1200" dirty="0">
+                <a:latin typeface="+mn-ea"/>
+                <a:ea typeface="+mn-ea"/>
+              </a:rPr>
+              <a:t>没有被</a:t>
+            </a:r>
+            <a:r>
+              <a:rPr lang="en-US" altLang="zh-CN" sz="1200" dirty="0">
+                <a:latin typeface="+mn-ea"/>
+                <a:ea typeface="+mn-ea"/>
+              </a:rPr>
+              <a:t>const</a:t>
+            </a:r>
+            <a:r>
+              <a:rPr lang="zh-CN" altLang="en-US" sz="1200" dirty="0">
+                <a:latin typeface="+mn-ea"/>
+                <a:ea typeface="+mn-ea"/>
+              </a:rPr>
+              <a:t>修饰</a:t>
+            </a:r>
+            <a:endParaRPr lang="en-US" altLang="zh-CN" sz="1200" dirty="0">
+              <a:latin typeface="+mn-ea"/>
+              <a:ea typeface="+mn-ea"/>
+            </a:endParaRPr>
+          </a:p>
+          <a:p>
+            <a:pPr marL="914400" lvl="2" indent="0">
+              <a:buNone/>
+            </a:pPr>
+            <a:r>
+              <a:rPr lang="en-US" altLang="zh-CN" sz="1200" dirty="0">
+                <a:latin typeface="+mn-ea"/>
+                <a:ea typeface="+mn-ea"/>
+              </a:rPr>
+              <a:t>	pd ++;</a:t>
+            </a:r>
+            <a:r>
+              <a:rPr lang="zh-CN" altLang="en-US" sz="1200" dirty="0">
+                <a:latin typeface="+mn-ea"/>
+                <a:ea typeface="+mn-ea"/>
+              </a:rPr>
+              <a:t>可以</a:t>
+            </a:r>
+            <a:endParaRPr lang="en-US" altLang="zh-CN" sz="1200" dirty="0">
+              <a:latin typeface="+mn-ea"/>
+              <a:ea typeface="+mn-ea"/>
+            </a:endParaRPr>
+          </a:p>
+          <a:p>
+            <a:pPr marL="914400" lvl="2" indent="0">
+              <a:buNone/>
+            </a:pPr>
+            <a:r>
+              <a:rPr lang="en-US" altLang="zh-CN" sz="1200" dirty="0">
+                <a:latin typeface="+mn-ea"/>
+                <a:ea typeface="+mn-ea"/>
+              </a:rPr>
+              <a:t>const</a:t>
+            </a:r>
+            <a:r>
+              <a:rPr lang="zh-CN" altLang="en-US" sz="1200" dirty="0">
+                <a:latin typeface="+mn-ea"/>
+                <a:ea typeface="+mn-ea"/>
+              </a:rPr>
+              <a:t>数组和非</a:t>
+            </a:r>
+            <a:r>
+              <a:rPr lang="en-US" altLang="zh-CN" sz="1200" dirty="0">
+                <a:latin typeface="+mn-ea"/>
+                <a:ea typeface="+mn-ea"/>
+              </a:rPr>
+              <a:t>const</a:t>
+            </a:r>
+            <a:r>
+              <a:rPr lang="zh-CN" altLang="en-US" sz="1200" dirty="0">
+                <a:latin typeface="+mn-ea"/>
+                <a:ea typeface="+mn-ea"/>
+              </a:rPr>
+              <a:t>数组可以初始化和赋值给</a:t>
+            </a:r>
+            <a:r>
+              <a:rPr lang="en-US" altLang="zh-CN" sz="1200" dirty="0">
+                <a:latin typeface="+mn-ea"/>
+                <a:ea typeface="+mn-ea"/>
+              </a:rPr>
+              <a:t>const</a:t>
+            </a:r>
+            <a:r>
+              <a:rPr lang="zh-CN" altLang="en-US" sz="1200" dirty="0">
+                <a:latin typeface="+mn-ea"/>
+                <a:ea typeface="+mn-ea"/>
+              </a:rPr>
+              <a:t>指针，但是普通指针只能用非</a:t>
+            </a:r>
+            <a:r>
+              <a:rPr lang="en-US" altLang="zh-CN" sz="1200" dirty="0">
+                <a:latin typeface="+mn-ea"/>
+                <a:ea typeface="+mn-ea"/>
+              </a:rPr>
+              <a:t>const</a:t>
+            </a:r>
+            <a:r>
+              <a:rPr lang="zh-CN" altLang="en-US" sz="1200" dirty="0">
+                <a:latin typeface="+mn-ea"/>
+                <a:ea typeface="+mn-ea"/>
+              </a:rPr>
+              <a:t>数据</a:t>
+            </a:r>
+            <a:endParaRPr lang="en-US" altLang="zh-CN" sz="1200" dirty="0">
+              <a:latin typeface="+mn-ea"/>
+              <a:ea typeface="+mn-ea"/>
+            </a:endParaRPr>
+          </a:p>
+          <a:p>
+            <a:pPr marL="914400" lvl="2" indent="0">
+              <a:buNone/>
+            </a:pPr>
+            <a:r>
+              <a:rPr lang="zh-CN" altLang="en-US" sz="1200" dirty="0">
+                <a:latin typeface="+mn-ea"/>
+                <a:ea typeface="+mn-ea"/>
+              </a:rPr>
+              <a:t>因为通过普通指针来修改</a:t>
+            </a:r>
+            <a:r>
+              <a:rPr lang="en-US" altLang="zh-CN" sz="1200" dirty="0">
+                <a:latin typeface="+mn-ea"/>
+                <a:ea typeface="+mn-ea"/>
+              </a:rPr>
+              <a:t>const</a:t>
+            </a:r>
+            <a:r>
+              <a:rPr lang="zh-CN" altLang="en-US" sz="1200" dirty="0">
+                <a:latin typeface="+mn-ea"/>
+                <a:ea typeface="+mn-ea"/>
+              </a:rPr>
+              <a:t>数据有风险</a:t>
+            </a:r>
+            <a:endParaRPr lang="en-US" altLang="zh-CN" sz="1200" dirty="0">
+              <a:latin typeface="+mn-ea"/>
+              <a:ea typeface="+mn-ea"/>
+            </a:endParaRPr>
+          </a:p>
+          <a:p>
+            <a:pPr marL="914400" lvl="2" indent="0">
+              <a:buNone/>
+            </a:pPr>
+            <a:br>
+              <a:rPr lang="en-US" altLang="zh-CN" sz="1200" dirty="0">
+                <a:latin typeface="+mn-ea"/>
+                <a:ea typeface="+mn-ea"/>
+              </a:rPr>
+            </a:br>
+            <a:endParaRPr lang="en-US" altLang="zh-CN" sz="1200" dirty="0">
+              <a:latin typeface="+mn-ea"/>
+              <a:ea typeface="+mn-ea"/>
+            </a:endParaRPr>
+          </a:p>
+        </p:txBody>
+      </p:sp>
+    </p:spTree>
+    <p:extLst>
+      <p:ext uri="{BB962C8B-B14F-4D97-AF65-F5344CB8AC3E}">
+        <p14:creationId xmlns:p14="http://schemas.microsoft.com/office/powerpoint/2010/main" val="2718596703"/>
+      </p:ext>
+    </p:extLst>
+  </p:cSld>
+  <p:clrMapOvr>
+    <a:masterClrMapping/>
+  </p:clrMapOvr>
+</p:sld>
+</file>
+
+<file path=ppt/slides/slide11.xml><?xml version="1.0" encoding="utf-8"?>
+<p:sld xmlns:a="http://schemas.openxmlformats.org/drawingml/2006/main" xmlns:r="http://schemas.openxmlformats.org/officeDocument/2006/relationships" xmlns:p="http://schemas.openxmlformats.org/presentationml/2006/main">
+  <p:cSld>
+    <p:spTree>
+      <p:nvGrpSpPr>
+        <p:cNvPr id="1" name=""/>
+        <p:cNvGrpSpPr/>
+        <p:nvPr/>
+      </p:nvGrpSpPr>
+      <p:grpSpPr>
+        <a:xfrm>
+          <a:off x="0" y="0"/>
+          <a:ext cx="0" cy="0"/>
+          <a:chOff x="0" y="0"/>
+          <a:chExt cx="0" cy="0"/>
+        </a:xfrm>
+      </p:grpSpPr>
+      <p:sp>
+        <p:nvSpPr>
+          <p:cNvPr id="2" name="标题 1">
+            <a:extLst>
+              <a:ext uri="{FF2B5EF4-FFF2-40B4-BE49-F238E27FC236}">
+                <a16:creationId xmlns:a16="http://schemas.microsoft.com/office/drawing/2014/main" id="{BA890E1A-8EC4-4550-B1C9-1FA67753E25F}"/>
+              </a:ext>
+            </a:extLst>
+          </p:cNvPr>
+          <p:cNvSpPr>
+            <a:spLocks noGrp="1"/>
+          </p:cNvSpPr>
+          <p:nvPr>
+            <p:ph type="title"/>
+          </p:nvPr>
+        </p:nvSpPr>
+        <p:spPr>
+          <a:xfrm>
+            <a:off x="646111" y="452718"/>
+            <a:ext cx="9404723" cy="905565"/>
+          </a:xfrm>
+        </p:spPr>
+        <p:txBody>
+          <a:bodyPr/>
+          <a:lstStyle/>
+          <a:p>
+            <a:r>
+              <a:rPr lang="en-US" altLang="zh-CN" sz="2400" dirty="0"/>
+              <a:t>10.7 </a:t>
+            </a:r>
+            <a:r>
+              <a:rPr lang="zh-CN" altLang="en-US" sz="2400" dirty="0"/>
+              <a:t>指针和多维数组</a:t>
+            </a:r>
+            <a:br>
+              <a:rPr lang="en-US" altLang="zh-CN" sz="2400" dirty="0"/>
+            </a:br>
+            <a:r>
+              <a:rPr lang="en-US" altLang="zh-CN" sz="2400" dirty="0"/>
+              <a:t>	</a:t>
+            </a:r>
+            <a:br>
+              <a:rPr lang="en-US" altLang="zh-CN" sz="1600" dirty="0"/>
+            </a:br>
+            <a:r>
+              <a:rPr lang="en-US" altLang="zh-CN" sz="2400" dirty="0"/>
+              <a:t>	</a:t>
+            </a:r>
+            <a:endParaRPr lang="zh-CN" altLang="en-US" sz="2400" dirty="0"/>
+          </a:p>
+        </p:txBody>
+      </p:sp>
+      <p:sp>
+        <p:nvSpPr>
+          <p:cNvPr id="3" name="内容占位符 2">
+            <a:extLst>
+              <a:ext uri="{FF2B5EF4-FFF2-40B4-BE49-F238E27FC236}">
+                <a16:creationId xmlns:a16="http://schemas.microsoft.com/office/drawing/2014/main" id="{BF04E1AE-2EDE-4372-8C56-BAD4D93ADF6C}"/>
+              </a:ext>
+            </a:extLst>
+          </p:cNvPr>
+          <p:cNvSpPr>
+            <a:spLocks noGrp="1"/>
+          </p:cNvSpPr>
+          <p:nvPr>
+            <p:ph idx="1"/>
+          </p:nvPr>
+        </p:nvSpPr>
+        <p:spPr>
+          <a:xfrm>
+            <a:off x="1103312" y="896645"/>
+            <a:ext cx="8946541" cy="5805996"/>
+          </a:xfrm>
+        </p:spPr>
+        <p:txBody>
+          <a:bodyPr>
+            <a:normAutofit lnSpcReduction="10000"/>
+          </a:bodyPr>
+          <a:lstStyle/>
+          <a:p>
+            <a:pPr marL="0" indent="0">
+              <a:buNone/>
+            </a:pPr>
+            <a:r>
+              <a:rPr lang="en-US" altLang="zh-CN" sz="1600" dirty="0">
+                <a:latin typeface="+mn-ea"/>
+                <a:ea typeface="+mn-ea"/>
+              </a:rPr>
+              <a:t>	</a:t>
+            </a:r>
+            <a:r>
+              <a:rPr lang="zh-CN" altLang="en-US" sz="1600" dirty="0">
+                <a:latin typeface="+mn-ea"/>
+                <a:ea typeface="+mn-ea"/>
+              </a:rPr>
+              <a:t>可以根据数组实际含义和指针的含义去了解指针和多位数组的关系</a:t>
+            </a:r>
+            <a:endParaRPr lang="en-US" altLang="zh-CN" sz="1600" dirty="0">
+              <a:latin typeface="+mn-ea"/>
+              <a:ea typeface="+mn-ea"/>
+            </a:endParaRPr>
+          </a:p>
+          <a:p>
+            <a:pPr marL="0" indent="0">
+              <a:buNone/>
+            </a:pPr>
+            <a:r>
+              <a:rPr lang="zh-CN" altLang="en-US" sz="1600" dirty="0">
+                <a:latin typeface="+mn-ea"/>
+                <a:ea typeface="+mn-ea"/>
+              </a:rPr>
+              <a:t>过程复杂，需要更形象的去了解</a:t>
+            </a:r>
+            <a:endParaRPr lang="en-US" altLang="zh-CN" sz="1600" dirty="0">
+              <a:latin typeface="+mn-ea"/>
+              <a:ea typeface="+mn-ea"/>
+            </a:endParaRPr>
+          </a:p>
+          <a:p>
+            <a:pPr marL="0" indent="0">
+              <a:buNone/>
+            </a:pPr>
+            <a:r>
+              <a:rPr lang="en-US" altLang="zh-CN" sz="1600" dirty="0">
+                <a:latin typeface="+mn-ea"/>
+                <a:ea typeface="+mn-ea"/>
+              </a:rPr>
+              <a:t>10.7.1 </a:t>
+            </a:r>
+            <a:r>
+              <a:rPr lang="zh-CN" altLang="en-US" sz="1600" dirty="0">
+                <a:latin typeface="+mn-ea"/>
+                <a:ea typeface="+mn-ea"/>
+              </a:rPr>
+              <a:t>指向多位数组的指针</a:t>
+            </a:r>
+            <a:endParaRPr lang="en-US" altLang="zh-CN" sz="1600" dirty="0">
+              <a:latin typeface="+mn-ea"/>
+              <a:ea typeface="+mn-ea"/>
+            </a:endParaRPr>
+          </a:p>
+          <a:p>
+            <a:pPr marL="0" indent="0">
+              <a:buNone/>
+            </a:pPr>
+            <a:r>
+              <a:rPr lang="en-US" altLang="zh-CN" sz="1600" dirty="0">
+                <a:latin typeface="+mn-ea"/>
+                <a:ea typeface="+mn-ea"/>
+              </a:rPr>
+              <a:t>	</a:t>
+            </a:r>
+            <a:r>
+              <a:rPr lang="zh-CN" altLang="en-US" sz="1600" dirty="0">
+                <a:latin typeface="+mn-ea"/>
+                <a:ea typeface="+mn-ea"/>
+              </a:rPr>
+              <a:t>数组指针：</a:t>
+            </a:r>
+            <a:endParaRPr lang="en-US" altLang="zh-CN" sz="1600" dirty="0">
+              <a:latin typeface="+mn-ea"/>
+              <a:ea typeface="+mn-ea"/>
+            </a:endParaRPr>
+          </a:p>
+          <a:p>
+            <a:pPr marL="0" indent="0">
+              <a:buNone/>
+            </a:pPr>
+            <a:r>
+              <a:rPr lang="en-US" altLang="zh-CN" sz="1600" dirty="0">
+                <a:latin typeface="+mn-ea"/>
+                <a:ea typeface="+mn-ea"/>
+              </a:rPr>
+              <a:t>		int(*p)[2] </a:t>
+            </a:r>
+            <a:r>
+              <a:rPr lang="zh-CN" altLang="en-US" sz="1600" dirty="0">
+                <a:latin typeface="+mn-ea"/>
+                <a:ea typeface="+mn-ea"/>
+              </a:rPr>
+              <a:t>指向一个内含两个</a:t>
+            </a:r>
+            <a:r>
+              <a:rPr lang="en-US" altLang="zh-CN" sz="1600" dirty="0">
+                <a:latin typeface="+mn-ea"/>
+                <a:ea typeface="+mn-ea"/>
+              </a:rPr>
+              <a:t>int</a:t>
+            </a:r>
+            <a:r>
+              <a:rPr lang="zh-CN" altLang="en-US" sz="1600" dirty="0">
+                <a:latin typeface="+mn-ea"/>
+                <a:ea typeface="+mn-ea"/>
+              </a:rPr>
+              <a:t>类型值的数组</a:t>
+            </a:r>
+            <a:endParaRPr lang="en-US" altLang="zh-CN" sz="1600" dirty="0">
+              <a:latin typeface="+mn-ea"/>
+              <a:ea typeface="+mn-ea"/>
+            </a:endParaRPr>
+          </a:p>
+          <a:p>
+            <a:pPr marL="0" indent="0">
+              <a:buNone/>
+            </a:pPr>
+            <a:r>
+              <a:rPr lang="en-US" altLang="zh-CN" sz="1600" dirty="0">
+                <a:latin typeface="+mn-ea"/>
+                <a:ea typeface="+mn-ea"/>
+              </a:rPr>
+              <a:t>	</a:t>
+            </a:r>
+            <a:r>
+              <a:rPr lang="zh-CN" altLang="en-US" sz="1600" dirty="0">
+                <a:latin typeface="+mn-ea"/>
+                <a:ea typeface="+mn-ea"/>
+              </a:rPr>
+              <a:t>指针数组：</a:t>
+            </a:r>
+            <a:endParaRPr lang="en-US" altLang="zh-CN" sz="1600" dirty="0">
+              <a:latin typeface="+mn-ea"/>
+              <a:ea typeface="+mn-ea"/>
+            </a:endParaRPr>
+          </a:p>
+          <a:p>
+            <a:pPr marL="0" indent="0">
+              <a:buNone/>
+            </a:pPr>
+            <a:r>
+              <a:rPr lang="en-US" altLang="zh-CN" sz="1600" dirty="0">
+                <a:latin typeface="+mn-ea"/>
+                <a:ea typeface="+mn-ea"/>
+              </a:rPr>
+              <a:t>		int* p[2] </a:t>
+            </a:r>
+            <a:r>
+              <a:rPr lang="zh-CN" altLang="en-US" sz="1600" dirty="0">
+                <a:latin typeface="+mn-ea"/>
+                <a:ea typeface="+mn-ea"/>
+              </a:rPr>
+              <a:t>一个内含两个指针类型的数组</a:t>
+            </a:r>
+            <a:endParaRPr lang="en-US" altLang="zh-CN" sz="1600" dirty="0">
+              <a:latin typeface="+mn-ea"/>
+              <a:ea typeface="+mn-ea"/>
+            </a:endParaRPr>
+          </a:p>
+          <a:p>
+            <a:pPr marL="0" indent="0">
+              <a:buNone/>
+            </a:pPr>
+            <a:r>
+              <a:rPr lang="en-US" altLang="zh-CN" sz="1600" dirty="0">
+                <a:latin typeface="+mn-ea"/>
+                <a:ea typeface="+mn-ea"/>
+              </a:rPr>
+              <a:t>	[]</a:t>
+            </a:r>
+            <a:r>
+              <a:rPr lang="zh-CN" altLang="en-US" sz="1600" dirty="0">
+                <a:latin typeface="+mn-ea"/>
+                <a:ea typeface="+mn-ea"/>
+              </a:rPr>
+              <a:t>中括号优先级大于</a:t>
+            </a:r>
+            <a:r>
+              <a:rPr lang="en-US" altLang="zh-CN" sz="1600" dirty="0">
+                <a:latin typeface="+mn-ea"/>
+                <a:ea typeface="+mn-ea"/>
+              </a:rPr>
+              <a:t>*</a:t>
+            </a:r>
+            <a:r>
+              <a:rPr lang="zh-CN" altLang="en-US" sz="1600" dirty="0">
+                <a:latin typeface="+mn-ea"/>
+                <a:ea typeface="+mn-ea"/>
+              </a:rPr>
+              <a:t>，谁先和变量名结合代表了变量是什么</a:t>
+            </a:r>
+            <a:endParaRPr lang="en-US" altLang="zh-CN" sz="1600" dirty="0">
+              <a:latin typeface="+mn-ea"/>
+              <a:ea typeface="+mn-ea"/>
+            </a:endParaRPr>
+          </a:p>
+          <a:p>
+            <a:pPr marL="0" indent="0">
+              <a:buNone/>
+            </a:pPr>
+            <a:r>
+              <a:rPr lang="en-US" altLang="zh-CN" sz="1600" dirty="0">
+                <a:latin typeface="+mn-ea"/>
+                <a:ea typeface="+mn-ea"/>
+              </a:rPr>
+              <a:t>10.7.2 </a:t>
+            </a:r>
+            <a:r>
+              <a:rPr lang="zh-CN" altLang="en-US" sz="1600" dirty="0">
+                <a:latin typeface="+mn-ea"/>
+                <a:ea typeface="+mn-ea"/>
+              </a:rPr>
+              <a:t>指针的兼容性</a:t>
+            </a:r>
+            <a:endParaRPr lang="en-US" altLang="zh-CN" sz="1600" dirty="0">
+              <a:latin typeface="+mn-ea"/>
+              <a:ea typeface="+mn-ea"/>
+            </a:endParaRPr>
+          </a:p>
+          <a:p>
+            <a:pPr marL="0" indent="0">
+              <a:buNone/>
+            </a:pPr>
+            <a:r>
+              <a:rPr lang="en-US" altLang="zh-CN" sz="1600" dirty="0">
+                <a:latin typeface="+mn-ea"/>
+                <a:ea typeface="+mn-ea"/>
+              </a:rPr>
+              <a:t>	</a:t>
+            </a:r>
+            <a:r>
+              <a:rPr lang="zh-CN" altLang="en-US" sz="1600" dirty="0">
+                <a:latin typeface="+mn-ea"/>
+                <a:ea typeface="+mn-ea"/>
+              </a:rPr>
+              <a:t>指针之间的赋值比数据类型之间的赋值要严格得多</a:t>
+            </a:r>
+            <a:endParaRPr lang="en-US" altLang="zh-CN" sz="1600" dirty="0">
+              <a:latin typeface="+mn-ea"/>
+              <a:ea typeface="+mn-ea"/>
+            </a:endParaRPr>
+          </a:p>
+          <a:p>
+            <a:pPr marL="0" indent="0">
+              <a:buNone/>
+            </a:pPr>
+            <a:r>
+              <a:rPr lang="en-US" altLang="zh-CN" sz="1600" dirty="0">
+                <a:latin typeface="+mn-ea"/>
+                <a:ea typeface="+mn-ea"/>
+              </a:rPr>
+              <a:t>10.7.3 </a:t>
+            </a:r>
+            <a:r>
+              <a:rPr lang="zh-CN" altLang="en-US" sz="1600" dirty="0">
+                <a:latin typeface="+mn-ea"/>
+                <a:ea typeface="+mn-ea"/>
+              </a:rPr>
+              <a:t>函数和多维数组</a:t>
+            </a:r>
+            <a:endParaRPr lang="en-US" altLang="zh-CN" sz="1600" dirty="0">
+              <a:latin typeface="+mn-ea"/>
+              <a:ea typeface="+mn-ea"/>
+            </a:endParaRPr>
+          </a:p>
+          <a:p>
+            <a:pPr marL="0" indent="0">
+              <a:buNone/>
+            </a:pPr>
+            <a:r>
+              <a:rPr lang="en-US" altLang="zh-CN" sz="1600" dirty="0">
+                <a:latin typeface="+mn-ea"/>
+                <a:ea typeface="+mn-ea"/>
+              </a:rPr>
+              <a:t>	</a:t>
+            </a:r>
+            <a:r>
+              <a:rPr lang="zh-CN" altLang="en-US" sz="1600" dirty="0">
+                <a:latin typeface="+mn-ea"/>
+                <a:ea typeface="+mn-ea"/>
+              </a:rPr>
+              <a:t>在函数声明中，编译器会把数组表示法转化为指针表示法，所以在二维数组中要明确知道对象的大小；</a:t>
+            </a:r>
+            <a:endParaRPr lang="en-US" altLang="zh-CN" sz="1600" dirty="0">
+              <a:latin typeface="+mn-ea"/>
+              <a:ea typeface="+mn-ea"/>
+            </a:endParaRPr>
+          </a:p>
+          <a:p>
+            <a:pPr marL="0" indent="0">
+              <a:buNone/>
+            </a:pPr>
+            <a:r>
+              <a:rPr lang="en-US" altLang="zh-CN" sz="1600" dirty="0">
+                <a:latin typeface="+mn-ea"/>
+                <a:ea typeface="+mn-ea"/>
+              </a:rPr>
+              <a:t>	int sum(int </a:t>
+            </a:r>
+            <a:r>
+              <a:rPr lang="en-US" altLang="zh-CN" sz="1600" dirty="0" err="1">
+                <a:latin typeface="+mn-ea"/>
+                <a:ea typeface="+mn-ea"/>
+              </a:rPr>
+              <a:t>arr</a:t>
+            </a:r>
+            <a:r>
+              <a:rPr lang="en-US" altLang="zh-CN" sz="1600" dirty="0">
+                <a:latin typeface="+mn-ea"/>
+                <a:ea typeface="+mn-ea"/>
+              </a:rPr>
+              <a:t>[][],int rows);</a:t>
+            </a:r>
+            <a:r>
+              <a:rPr lang="zh-CN" altLang="en-US" sz="1600" dirty="0">
+                <a:latin typeface="+mn-ea"/>
+                <a:ea typeface="+mn-ea"/>
+              </a:rPr>
+              <a:t>这种是错误的</a:t>
+            </a:r>
+            <a:endParaRPr lang="en-US" altLang="zh-CN" sz="1600" dirty="0">
+              <a:latin typeface="+mn-ea"/>
+              <a:ea typeface="+mn-ea"/>
+            </a:endParaRPr>
+          </a:p>
+          <a:p>
+            <a:pPr marL="0" indent="0">
+              <a:buNone/>
+            </a:pPr>
+            <a:r>
+              <a:rPr lang="en-US" altLang="zh-CN" sz="1600" dirty="0">
+                <a:latin typeface="+mn-ea"/>
+                <a:ea typeface="+mn-ea"/>
+              </a:rPr>
+              <a:t>	int sum(int </a:t>
+            </a:r>
+            <a:r>
+              <a:rPr lang="en-US" altLang="zh-CN" sz="1600" dirty="0" err="1">
+                <a:latin typeface="+mn-ea"/>
+                <a:ea typeface="+mn-ea"/>
+              </a:rPr>
+              <a:t>arr</a:t>
+            </a:r>
+            <a:r>
+              <a:rPr lang="en-US" altLang="zh-CN" sz="1600" dirty="0">
+                <a:latin typeface="+mn-ea"/>
+                <a:ea typeface="+mn-ea"/>
+              </a:rPr>
+              <a:t>[3][4],int rows);</a:t>
+            </a:r>
+            <a:r>
+              <a:rPr lang="zh-CN" altLang="en-US" sz="1600" dirty="0">
+                <a:latin typeface="+mn-ea"/>
+                <a:ea typeface="+mn-ea"/>
+              </a:rPr>
+              <a:t>这种是可以的，编译器会忽略</a:t>
+            </a:r>
+            <a:r>
+              <a:rPr lang="en-US" altLang="zh-CN" sz="1600" dirty="0">
+                <a:latin typeface="+mn-ea"/>
+                <a:ea typeface="+mn-ea"/>
+              </a:rPr>
+              <a:t>3</a:t>
+            </a:r>
+          </a:p>
+          <a:p>
+            <a:pPr marL="0" indent="0">
+              <a:buNone/>
+            </a:pPr>
+            <a:r>
+              <a:rPr lang="en-US" altLang="zh-CN" sz="1600" dirty="0">
+                <a:latin typeface="+mn-ea"/>
+                <a:ea typeface="+mn-ea"/>
+              </a:rPr>
+              <a:t>	int sum(int </a:t>
+            </a:r>
+            <a:r>
+              <a:rPr lang="en-US" altLang="zh-CN" sz="1600" dirty="0" err="1">
+                <a:latin typeface="+mn-ea"/>
+                <a:ea typeface="+mn-ea"/>
+              </a:rPr>
+              <a:t>arr</a:t>
+            </a:r>
+            <a:r>
+              <a:rPr lang="en-US" altLang="zh-CN" sz="1600" dirty="0">
+                <a:latin typeface="+mn-ea"/>
+                <a:ea typeface="+mn-ea"/>
+              </a:rPr>
+              <a:t>[][4],int rows);</a:t>
+            </a:r>
+          </a:p>
+          <a:p>
+            <a:pPr marL="0" indent="0">
+              <a:buNone/>
+            </a:pPr>
+            <a:r>
+              <a:rPr lang="en-US" altLang="zh-CN" sz="1600" dirty="0">
+                <a:latin typeface="+mn-ea"/>
+                <a:ea typeface="+mn-ea"/>
+              </a:rPr>
+              <a:t>	int sum(int (*</a:t>
+            </a:r>
+            <a:r>
+              <a:rPr lang="en-US" altLang="zh-CN" sz="1600" dirty="0" err="1">
+                <a:latin typeface="+mn-ea"/>
+                <a:ea typeface="+mn-ea"/>
+              </a:rPr>
+              <a:t>arr</a:t>
+            </a:r>
+            <a:r>
+              <a:rPr lang="en-US" altLang="zh-CN" sz="1600" dirty="0">
+                <a:latin typeface="+mn-ea"/>
+                <a:ea typeface="+mn-ea"/>
+              </a:rPr>
+              <a:t>)[4],int rows);</a:t>
+            </a:r>
+          </a:p>
+        </p:txBody>
+      </p:sp>
+    </p:spTree>
+    <p:extLst>
+      <p:ext uri="{BB962C8B-B14F-4D97-AF65-F5344CB8AC3E}">
+        <p14:creationId xmlns:p14="http://schemas.microsoft.com/office/powerpoint/2010/main" val="2848726410"/>
+      </p:ext>
+    </p:extLst>
+  </p:cSld>
+  <p:clrMapOvr>
+    <a:masterClrMapping/>
+  </p:clrMapOvr>
+</p:sld>
+</file>
+
+<file path=ppt/slides/slide12.xml><?xml version="1.0" encoding="utf-8"?>
+<p:sld xmlns:a="http://schemas.openxmlformats.org/drawingml/2006/main" xmlns:r="http://schemas.openxmlformats.org/officeDocument/2006/relationships" xmlns:p="http://schemas.openxmlformats.org/presentationml/2006/main">
+  <p:cSld>
+    <p:spTree>
+      <p:nvGrpSpPr>
+        <p:cNvPr id="1" name=""/>
+        <p:cNvGrpSpPr/>
+        <p:nvPr/>
+      </p:nvGrpSpPr>
+      <p:grpSpPr>
+        <a:xfrm>
+          <a:off x="0" y="0"/>
+          <a:ext cx="0" cy="0"/>
+          <a:chOff x="0" y="0"/>
+          <a:chExt cx="0" cy="0"/>
+        </a:xfrm>
+      </p:grpSpPr>
+      <p:sp>
+        <p:nvSpPr>
+          <p:cNvPr id="2" name="标题 1">
+            <a:extLst>
+              <a:ext uri="{FF2B5EF4-FFF2-40B4-BE49-F238E27FC236}">
+                <a16:creationId xmlns:a16="http://schemas.microsoft.com/office/drawing/2014/main" id="{BA890E1A-8EC4-4550-B1C9-1FA67753E25F}"/>
+              </a:ext>
+            </a:extLst>
+          </p:cNvPr>
+          <p:cNvSpPr>
+            <a:spLocks noGrp="1"/>
+          </p:cNvSpPr>
+          <p:nvPr>
+            <p:ph type="title"/>
+          </p:nvPr>
+        </p:nvSpPr>
+        <p:spPr>
+          <a:xfrm>
+            <a:off x="646111" y="452718"/>
+            <a:ext cx="9404723" cy="905565"/>
+          </a:xfrm>
+        </p:spPr>
+        <p:txBody>
+          <a:bodyPr/>
+          <a:lstStyle/>
+          <a:p>
+            <a:r>
+              <a:rPr lang="en-US" altLang="zh-CN" sz="2400" dirty="0"/>
+              <a:t>10.8 </a:t>
+            </a:r>
+            <a:r>
+              <a:rPr lang="zh-CN" altLang="en-US" sz="2400" dirty="0"/>
+              <a:t>变长数组（</a:t>
+            </a:r>
+            <a:r>
+              <a:rPr lang="en-US" altLang="zh-CN" sz="2400"/>
+              <a:t>vla</a:t>
+            </a:r>
+            <a:r>
+              <a:rPr lang="zh-CN" altLang="en-US" sz="2400"/>
+              <a:t>）</a:t>
+            </a:r>
+            <a:br>
+              <a:rPr lang="en-US" altLang="zh-CN" sz="2400" dirty="0"/>
+            </a:br>
+            <a:r>
+              <a:rPr lang="en-US" altLang="zh-CN" sz="2400" dirty="0"/>
+              <a:t>	</a:t>
+            </a:r>
+            <a:br>
+              <a:rPr lang="en-US" altLang="zh-CN" sz="1600" dirty="0"/>
+            </a:br>
+            <a:r>
+              <a:rPr lang="en-US" altLang="zh-CN" sz="2400" dirty="0"/>
+              <a:t>	</a:t>
+            </a:r>
+            <a:endParaRPr lang="zh-CN" altLang="en-US" sz="2400" dirty="0"/>
+          </a:p>
+        </p:txBody>
+      </p:sp>
+      <p:sp>
+        <p:nvSpPr>
+          <p:cNvPr id="3" name="内容占位符 2">
+            <a:extLst>
+              <a:ext uri="{FF2B5EF4-FFF2-40B4-BE49-F238E27FC236}">
+                <a16:creationId xmlns:a16="http://schemas.microsoft.com/office/drawing/2014/main" id="{BF04E1AE-2EDE-4372-8C56-BAD4D93ADF6C}"/>
+              </a:ext>
+            </a:extLst>
+          </p:cNvPr>
+          <p:cNvSpPr>
+            <a:spLocks noGrp="1"/>
+          </p:cNvSpPr>
+          <p:nvPr>
+            <p:ph idx="1"/>
+          </p:nvPr>
+        </p:nvSpPr>
+        <p:spPr>
+          <a:xfrm>
+            <a:off x="1103312" y="896645"/>
+            <a:ext cx="8946541" cy="5805996"/>
+          </a:xfrm>
+        </p:spPr>
+        <p:txBody>
+          <a:bodyPr>
+            <a:normAutofit lnSpcReduction="10000"/>
+          </a:bodyPr>
+          <a:lstStyle/>
+          <a:p>
+            <a:pPr marL="0" indent="0">
+              <a:buNone/>
+            </a:pPr>
+            <a:r>
+              <a:rPr lang="en-US" altLang="zh-CN" sz="1600" dirty="0">
+                <a:latin typeface="+mn-ea"/>
+                <a:ea typeface="+mn-ea"/>
+              </a:rPr>
+              <a:t>	</a:t>
+            </a:r>
+            <a:r>
+              <a:rPr lang="zh-CN" altLang="en-US" sz="1600" dirty="0">
+                <a:latin typeface="+mn-ea"/>
+                <a:ea typeface="+mn-ea"/>
+              </a:rPr>
+              <a:t>可以根据数组实际含义和指针的含义去了解指针和多位数组的关系</a:t>
+            </a:r>
+            <a:endParaRPr lang="en-US" altLang="zh-CN" sz="1600" dirty="0">
+              <a:latin typeface="+mn-ea"/>
+              <a:ea typeface="+mn-ea"/>
+            </a:endParaRPr>
+          </a:p>
+          <a:p>
+            <a:pPr marL="0" indent="0">
+              <a:buNone/>
+            </a:pPr>
+            <a:r>
+              <a:rPr lang="zh-CN" altLang="en-US" sz="1600" dirty="0">
+                <a:latin typeface="+mn-ea"/>
+                <a:ea typeface="+mn-ea"/>
+              </a:rPr>
+              <a:t>过程复杂，需要更形象的去了解</a:t>
+            </a:r>
+            <a:endParaRPr lang="en-US" altLang="zh-CN" sz="1600" dirty="0">
+              <a:latin typeface="+mn-ea"/>
+              <a:ea typeface="+mn-ea"/>
+            </a:endParaRPr>
+          </a:p>
+          <a:p>
+            <a:pPr marL="0" indent="0">
+              <a:buNone/>
+            </a:pPr>
+            <a:r>
+              <a:rPr lang="en-US" altLang="zh-CN" sz="1600" dirty="0">
+                <a:latin typeface="+mn-ea"/>
+                <a:ea typeface="+mn-ea"/>
+              </a:rPr>
+              <a:t>10.7.1 </a:t>
+            </a:r>
+            <a:r>
+              <a:rPr lang="zh-CN" altLang="en-US" sz="1600" dirty="0">
+                <a:latin typeface="+mn-ea"/>
+                <a:ea typeface="+mn-ea"/>
+              </a:rPr>
+              <a:t>指向多位数组的指针</a:t>
+            </a:r>
+            <a:endParaRPr lang="en-US" altLang="zh-CN" sz="1600" dirty="0">
+              <a:latin typeface="+mn-ea"/>
+              <a:ea typeface="+mn-ea"/>
+            </a:endParaRPr>
+          </a:p>
+          <a:p>
+            <a:pPr marL="0" indent="0">
+              <a:buNone/>
+            </a:pPr>
+            <a:r>
+              <a:rPr lang="en-US" altLang="zh-CN" sz="1600" dirty="0">
+                <a:latin typeface="+mn-ea"/>
+                <a:ea typeface="+mn-ea"/>
+              </a:rPr>
+              <a:t>	</a:t>
+            </a:r>
+            <a:r>
+              <a:rPr lang="zh-CN" altLang="en-US" sz="1600" dirty="0">
+                <a:latin typeface="+mn-ea"/>
+                <a:ea typeface="+mn-ea"/>
+              </a:rPr>
+              <a:t>数组指针：</a:t>
+            </a:r>
+            <a:endParaRPr lang="en-US" altLang="zh-CN" sz="1600" dirty="0">
+              <a:latin typeface="+mn-ea"/>
+              <a:ea typeface="+mn-ea"/>
+            </a:endParaRPr>
+          </a:p>
+          <a:p>
+            <a:pPr marL="0" indent="0">
+              <a:buNone/>
+            </a:pPr>
+            <a:r>
+              <a:rPr lang="en-US" altLang="zh-CN" sz="1600" dirty="0">
+                <a:latin typeface="+mn-ea"/>
+                <a:ea typeface="+mn-ea"/>
+              </a:rPr>
+              <a:t>		int(*p)[2] </a:t>
+            </a:r>
+            <a:r>
+              <a:rPr lang="zh-CN" altLang="en-US" sz="1600" dirty="0">
+                <a:latin typeface="+mn-ea"/>
+                <a:ea typeface="+mn-ea"/>
+              </a:rPr>
+              <a:t>指向一个内含两个</a:t>
+            </a:r>
+            <a:r>
+              <a:rPr lang="en-US" altLang="zh-CN" sz="1600" dirty="0">
+                <a:latin typeface="+mn-ea"/>
+                <a:ea typeface="+mn-ea"/>
+              </a:rPr>
+              <a:t>int</a:t>
+            </a:r>
+            <a:r>
+              <a:rPr lang="zh-CN" altLang="en-US" sz="1600" dirty="0">
+                <a:latin typeface="+mn-ea"/>
+                <a:ea typeface="+mn-ea"/>
+              </a:rPr>
+              <a:t>类型值的数组</a:t>
+            </a:r>
+            <a:endParaRPr lang="en-US" altLang="zh-CN" sz="1600" dirty="0">
+              <a:latin typeface="+mn-ea"/>
+              <a:ea typeface="+mn-ea"/>
+            </a:endParaRPr>
+          </a:p>
+          <a:p>
+            <a:pPr marL="0" indent="0">
+              <a:buNone/>
+            </a:pPr>
+            <a:r>
+              <a:rPr lang="en-US" altLang="zh-CN" sz="1600" dirty="0">
+                <a:latin typeface="+mn-ea"/>
+                <a:ea typeface="+mn-ea"/>
+              </a:rPr>
+              <a:t>	</a:t>
+            </a:r>
+            <a:r>
+              <a:rPr lang="zh-CN" altLang="en-US" sz="1600" dirty="0">
+                <a:latin typeface="+mn-ea"/>
+                <a:ea typeface="+mn-ea"/>
+              </a:rPr>
+              <a:t>指针数组：</a:t>
+            </a:r>
+            <a:endParaRPr lang="en-US" altLang="zh-CN" sz="1600" dirty="0">
+              <a:latin typeface="+mn-ea"/>
+              <a:ea typeface="+mn-ea"/>
+            </a:endParaRPr>
+          </a:p>
+          <a:p>
+            <a:pPr marL="0" indent="0">
+              <a:buNone/>
+            </a:pPr>
+            <a:r>
+              <a:rPr lang="en-US" altLang="zh-CN" sz="1600" dirty="0">
+                <a:latin typeface="+mn-ea"/>
+                <a:ea typeface="+mn-ea"/>
+              </a:rPr>
+              <a:t>		int* p[2] </a:t>
+            </a:r>
+            <a:r>
+              <a:rPr lang="zh-CN" altLang="en-US" sz="1600" dirty="0">
+                <a:latin typeface="+mn-ea"/>
+                <a:ea typeface="+mn-ea"/>
+              </a:rPr>
+              <a:t>一个内含两个指针类型的数组</a:t>
+            </a:r>
+            <a:endParaRPr lang="en-US" altLang="zh-CN" sz="1600" dirty="0">
+              <a:latin typeface="+mn-ea"/>
+              <a:ea typeface="+mn-ea"/>
+            </a:endParaRPr>
+          </a:p>
+          <a:p>
+            <a:pPr marL="0" indent="0">
+              <a:buNone/>
+            </a:pPr>
+            <a:r>
+              <a:rPr lang="en-US" altLang="zh-CN" sz="1600" dirty="0">
+                <a:latin typeface="+mn-ea"/>
+                <a:ea typeface="+mn-ea"/>
+              </a:rPr>
+              <a:t>	[]</a:t>
+            </a:r>
+            <a:r>
+              <a:rPr lang="zh-CN" altLang="en-US" sz="1600" dirty="0">
+                <a:latin typeface="+mn-ea"/>
+                <a:ea typeface="+mn-ea"/>
+              </a:rPr>
+              <a:t>中括号优先级大于</a:t>
+            </a:r>
+            <a:r>
+              <a:rPr lang="en-US" altLang="zh-CN" sz="1600" dirty="0">
+                <a:latin typeface="+mn-ea"/>
+                <a:ea typeface="+mn-ea"/>
+              </a:rPr>
+              <a:t>*</a:t>
+            </a:r>
+            <a:r>
+              <a:rPr lang="zh-CN" altLang="en-US" sz="1600" dirty="0">
+                <a:latin typeface="+mn-ea"/>
+                <a:ea typeface="+mn-ea"/>
+              </a:rPr>
+              <a:t>，谁先和变量名结合代表了变量是什么</a:t>
+            </a:r>
+            <a:endParaRPr lang="en-US" altLang="zh-CN" sz="1600" dirty="0">
+              <a:latin typeface="+mn-ea"/>
+              <a:ea typeface="+mn-ea"/>
+            </a:endParaRPr>
+          </a:p>
+          <a:p>
+            <a:pPr marL="0" indent="0">
+              <a:buNone/>
+            </a:pPr>
+            <a:r>
+              <a:rPr lang="en-US" altLang="zh-CN" sz="1600" dirty="0">
+                <a:latin typeface="+mn-ea"/>
+                <a:ea typeface="+mn-ea"/>
+              </a:rPr>
+              <a:t>10.7.2 </a:t>
+            </a:r>
+            <a:r>
+              <a:rPr lang="zh-CN" altLang="en-US" sz="1600" dirty="0">
+                <a:latin typeface="+mn-ea"/>
+                <a:ea typeface="+mn-ea"/>
+              </a:rPr>
+              <a:t>指针的兼容性</a:t>
+            </a:r>
+            <a:endParaRPr lang="en-US" altLang="zh-CN" sz="1600" dirty="0">
+              <a:latin typeface="+mn-ea"/>
+              <a:ea typeface="+mn-ea"/>
+            </a:endParaRPr>
+          </a:p>
+          <a:p>
+            <a:pPr marL="0" indent="0">
+              <a:buNone/>
+            </a:pPr>
+            <a:r>
+              <a:rPr lang="en-US" altLang="zh-CN" sz="1600" dirty="0">
+                <a:latin typeface="+mn-ea"/>
+                <a:ea typeface="+mn-ea"/>
+              </a:rPr>
+              <a:t>	</a:t>
+            </a:r>
+            <a:r>
+              <a:rPr lang="zh-CN" altLang="en-US" sz="1600" dirty="0">
+                <a:latin typeface="+mn-ea"/>
+                <a:ea typeface="+mn-ea"/>
+              </a:rPr>
+              <a:t>指针之间的赋值比数据类型之间的赋值要严格得多</a:t>
+            </a:r>
+            <a:endParaRPr lang="en-US" altLang="zh-CN" sz="1600" dirty="0">
+              <a:latin typeface="+mn-ea"/>
+              <a:ea typeface="+mn-ea"/>
+            </a:endParaRPr>
+          </a:p>
+          <a:p>
+            <a:pPr marL="0" indent="0">
+              <a:buNone/>
+            </a:pPr>
+            <a:r>
+              <a:rPr lang="en-US" altLang="zh-CN" sz="1600" dirty="0">
+                <a:latin typeface="+mn-ea"/>
+                <a:ea typeface="+mn-ea"/>
+              </a:rPr>
+              <a:t>10.7.3 </a:t>
+            </a:r>
+            <a:r>
+              <a:rPr lang="zh-CN" altLang="en-US" sz="1600" dirty="0">
+                <a:latin typeface="+mn-ea"/>
+                <a:ea typeface="+mn-ea"/>
+              </a:rPr>
+              <a:t>函数和多维数组</a:t>
+            </a:r>
+            <a:endParaRPr lang="en-US" altLang="zh-CN" sz="1600" dirty="0">
+              <a:latin typeface="+mn-ea"/>
+              <a:ea typeface="+mn-ea"/>
+            </a:endParaRPr>
+          </a:p>
+          <a:p>
+            <a:pPr marL="0" indent="0">
+              <a:buNone/>
+            </a:pPr>
+            <a:r>
+              <a:rPr lang="en-US" altLang="zh-CN" sz="1600" dirty="0">
+                <a:latin typeface="+mn-ea"/>
+                <a:ea typeface="+mn-ea"/>
+              </a:rPr>
+              <a:t>	</a:t>
+            </a:r>
+            <a:r>
+              <a:rPr lang="zh-CN" altLang="en-US" sz="1600" dirty="0">
+                <a:latin typeface="+mn-ea"/>
+                <a:ea typeface="+mn-ea"/>
+              </a:rPr>
+              <a:t>在函数声明中，编译器会把数组表示法转化为指针表示法，所以在二维数组中要明确知道对象的大小；</a:t>
+            </a:r>
+            <a:endParaRPr lang="en-US" altLang="zh-CN" sz="1600" dirty="0">
+              <a:latin typeface="+mn-ea"/>
+              <a:ea typeface="+mn-ea"/>
+            </a:endParaRPr>
+          </a:p>
+          <a:p>
+            <a:pPr marL="0" indent="0">
+              <a:buNone/>
+            </a:pPr>
+            <a:r>
+              <a:rPr lang="en-US" altLang="zh-CN" sz="1600" dirty="0">
+                <a:latin typeface="+mn-ea"/>
+                <a:ea typeface="+mn-ea"/>
+              </a:rPr>
+              <a:t>	int sum(int </a:t>
+            </a:r>
+            <a:r>
+              <a:rPr lang="en-US" altLang="zh-CN" sz="1600" dirty="0" err="1">
+                <a:latin typeface="+mn-ea"/>
+                <a:ea typeface="+mn-ea"/>
+              </a:rPr>
+              <a:t>arr</a:t>
+            </a:r>
+            <a:r>
+              <a:rPr lang="en-US" altLang="zh-CN" sz="1600" dirty="0">
+                <a:latin typeface="+mn-ea"/>
+                <a:ea typeface="+mn-ea"/>
+              </a:rPr>
+              <a:t>[][],int rows);</a:t>
+            </a:r>
+            <a:r>
+              <a:rPr lang="zh-CN" altLang="en-US" sz="1600" dirty="0">
+                <a:latin typeface="+mn-ea"/>
+                <a:ea typeface="+mn-ea"/>
+              </a:rPr>
+              <a:t>这种是错误的</a:t>
+            </a:r>
+            <a:endParaRPr lang="en-US" altLang="zh-CN" sz="1600" dirty="0">
+              <a:latin typeface="+mn-ea"/>
+              <a:ea typeface="+mn-ea"/>
+            </a:endParaRPr>
+          </a:p>
+          <a:p>
+            <a:pPr marL="0" indent="0">
+              <a:buNone/>
+            </a:pPr>
+            <a:r>
+              <a:rPr lang="en-US" altLang="zh-CN" sz="1600" dirty="0">
+                <a:latin typeface="+mn-ea"/>
+                <a:ea typeface="+mn-ea"/>
+              </a:rPr>
+              <a:t>	int sum(int </a:t>
+            </a:r>
+            <a:r>
+              <a:rPr lang="en-US" altLang="zh-CN" sz="1600" dirty="0" err="1">
+                <a:latin typeface="+mn-ea"/>
+                <a:ea typeface="+mn-ea"/>
+              </a:rPr>
+              <a:t>arr</a:t>
+            </a:r>
+            <a:r>
+              <a:rPr lang="en-US" altLang="zh-CN" sz="1600" dirty="0">
+                <a:latin typeface="+mn-ea"/>
+                <a:ea typeface="+mn-ea"/>
+              </a:rPr>
+              <a:t>[3][4],int rows);</a:t>
+            </a:r>
+            <a:r>
+              <a:rPr lang="zh-CN" altLang="en-US" sz="1600" dirty="0">
+                <a:latin typeface="+mn-ea"/>
+                <a:ea typeface="+mn-ea"/>
+              </a:rPr>
+              <a:t>这种是可以的，编译器会忽略</a:t>
+            </a:r>
+            <a:r>
+              <a:rPr lang="en-US" altLang="zh-CN" sz="1600" dirty="0">
+                <a:latin typeface="+mn-ea"/>
+                <a:ea typeface="+mn-ea"/>
+              </a:rPr>
+              <a:t>3</a:t>
+            </a:r>
+          </a:p>
+          <a:p>
+            <a:pPr marL="0" indent="0">
+              <a:buNone/>
+            </a:pPr>
+            <a:r>
+              <a:rPr lang="en-US" altLang="zh-CN" sz="1600" dirty="0">
+                <a:latin typeface="+mn-ea"/>
+                <a:ea typeface="+mn-ea"/>
+              </a:rPr>
+              <a:t>	int sum(int </a:t>
+            </a:r>
+            <a:r>
+              <a:rPr lang="en-US" altLang="zh-CN" sz="1600" dirty="0" err="1">
+                <a:latin typeface="+mn-ea"/>
+                <a:ea typeface="+mn-ea"/>
+              </a:rPr>
+              <a:t>arr</a:t>
+            </a:r>
+            <a:r>
+              <a:rPr lang="en-US" altLang="zh-CN" sz="1600" dirty="0">
+                <a:latin typeface="+mn-ea"/>
+                <a:ea typeface="+mn-ea"/>
+              </a:rPr>
+              <a:t>[][4],int rows);</a:t>
+            </a:r>
+          </a:p>
+          <a:p>
+            <a:pPr marL="0" indent="0">
+              <a:buNone/>
+            </a:pPr>
+            <a:r>
+              <a:rPr lang="en-US" altLang="zh-CN" sz="1600" dirty="0">
+                <a:latin typeface="+mn-ea"/>
+                <a:ea typeface="+mn-ea"/>
+              </a:rPr>
+              <a:t>	int sum(int (*</a:t>
+            </a:r>
+            <a:r>
+              <a:rPr lang="en-US" altLang="zh-CN" sz="1600" dirty="0" err="1">
+                <a:latin typeface="+mn-ea"/>
+                <a:ea typeface="+mn-ea"/>
+              </a:rPr>
+              <a:t>arr</a:t>
+            </a:r>
+            <a:r>
+              <a:rPr lang="en-US" altLang="zh-CN" sz="1600" dirty="0">
+                <a:latin typeface="+mn-ea"/>
+                <a:ea typeface="+mn-ea"/>
+              </a:rPr>
+              <a:t>)[4],int rows);</a:t>
+            </a:r>
+          </a:p>
+        </p:txBody>
+      </p:sp>
+    </p:spTree>
+    <p:extLst>
+      <p:ext uri="{BB962C8B-B14F-4D97-AF65-F5344CB8AC3E}">
+        <p14:creationId xmlns:p14="http://schemas.microsoft.com/office/powerpoint/2010/main" val="3597592862"/>
+      </p:ext>
+    </p:extLst>
+  </p:cSld>
+  <p:clrMapOvr>
+    <a:masterClrMapping/>
+  </p:clrMapOvr>
+</p:sld>
+</file>
+
 <file path=ppt/slides/slide2.xml><?xml version="1.0" encoding="utf-8"?>
 <p:sld xmlns:a="http://schemas.openxmlformats.org/drawingml/2006/main" xmlns:r="http://schemas.openxmlformats.org/officeDocument/2006/relationships" xmlns:p="http://schemas.openxmlformats.org/presentationml/2006/main">
   <p:cSld>
@@ -8972,7 +10743,47 @@
                 <a:latin typeface="+mn-ea"/>
                 <a:ea typeface="+mn-ea"/>
               </a:rPr>
-              <a:t>递增指针：</a:t>
+              <a:t>递增指针：指针加</a:t>
+            </a:r>
+            <a:r>
+              <a:rPr lang="en-US" altLang="zh-CN" sz="1600" dirty="0">
+                <a:latin typeface="+mn-ea"/>
+                <a:ea typeface="+mn-ea"/>
+              </a:rPr>
+              <a:t>1</a:t>
+            </a:r>
+          </a:p>
+          <a:p>
+            <a:pPr lvl="1">
+              <a:buFont typeface="Wingdings" panose="05000000000000000000" pitchFamily="2" charset="2"/>
+              <a:buChar char="Ø"/>
+            </a:pPr>
+            <a:r>
+              <a:rPr lang="zh-CN" altLang="en-US" sz="1600" dirty="0">
+                <a:latin typeface="+mn-ea"/>
+                <a:ea typeface="+mn-ea"/>
+              </a:rPr>
+              <a:t>递减指针：指针减</a:t>
+            </a:r>
+            <a:r>
+              <a:rPr lang="en-US" altLang="zh-CN" sz="1600" dirty="0">
+                <a:latin typeface="+mn-ea"/>
+                <a:ea typeface="+mn-ea"/>
+              </a:rPr>
+              <a:t>1</a:t>
+            </a:r>
+          </a:p>
+          <a:p>
+            <a:pPr lvl="1">
+              <a:buFont typeface="Wingdings" panose="05000000000000000000" pitchFamily="2" charset="2"/>
+              <a:buChar char="Ø"/>
+            </a:pPr>
+            <a:r>
+              <a:rPr lang="zh-CN" altLang="en-US" sz="1600" dirty="0">
+                <a:latin typeface="+mn-ea"/>
+                <a:ea typeface="+mn-ea"/>
+              </a:rPr>
+              <a:t>指针求差：指针在相同的数组，求得是数组直接的间距，对于不同数组或者不同类型的数组或者变量意义不大</a:t>
             </a:r>
             <a:endParaRPr lang="en-US" altLang="zh-CN" sz="1600" dirty="0">
               <a:latin typeface="+mn-ea"/>
@@ -8989,24 +10800,7 @@
                 <a:latin typeface="+mn-ea"/>
                 <a:ea typeface="+mn-ea"/>
               </a:rPr>
-              <a:t>递减指针：</a:t>
-            </a:r>
-            <a:endParaRPr lang="en-US" altLang="zh-CN" sz="1600" dirty="0">
-              <a:latin typeface="+mn-ea"/>
-              <a:ea typeface="+mn-ea"/>
-            </a:endParaRPr>
-          </a:p>
-          <a:p>
-            <a:pPr lvl="1">
-              <a:buFont typeface="Wingdings" panose="05000000000000000000" pitchFamily="2" charset="2"/>
-              <a:buChar char="Ø"/>
-            </a:pPr>
-            <a:r>
-              <a:rPr lang="zh-CN" altLang="en-US" sz="1600">
-                <a:latin typeface="+mn-ea"/>
-                <a:ea typeface="+mn-ea"/>
-              </a:rPr>
-              <a:t>指针求差：指针在相同的数组，求得是数组直接的间距，对于不同数组或者不同类型的数组或者变量意义不大</a:t>
+              <a:t>指针减去一个整数：必须是指针减除整数，指针与整数相加，整数在前在后都行</a:t>
             </a:r>
             <a:endParaRPr lang="en-US" altLang="zh-CN" sz="1600" dirty="0">
               <a:latin typeface="+mn-ea"/>

--- a/10数组和指针.pptx
+++ b/10数组和指针.pptx
@@ -309,7 +309,7 @@
           <a:p>
             <a:fld id="{DCE76F9B-5546-48B0-9EA1-1BCE5DE1A632}" type="datetimeFigureOut">
               <a:rPr lang="zh-CN" altLang="en-US" smtClean="0"/>
-              <a:t>2022/3/7</a:t>
+              <a:t>2022/3/8</a:t>
             </a:fld>
             <a:endParaRPr lang="zh-CN" altLang="en-US"/>
           </a:p>
@@ -584,7 +584,7 @@
           <a:p>
             <a:fld id="{DCE76F9B-5546-48B0-9EA1-1BCE5DE1A632}" type="datetimeFigureOut">
               <a:rPr lang="zh-CN" altLang="en-US" smtClean="0"/>
-              <a:t>2022/3/7</a:t>
+              <a:t>2022/3/8</a:t>
             </a:fld>
             <a:endParaRPr lang="zh-CN" altLang="en-US"/>
           </a:p>
@@ -778,7 +778,7 @@
           <a:p>
             <a:fld id="{DCE76F9B-5546-48B0-9EA1-1BCE5DE1A632}" type="datetimeFigureOut">
               <a:rPr lang="zh-CN" altLang="en-US" smtClean="0"/>
-              <a:t>2022/3/7</a:t>
+              <a:t>2022/3/8</a:t>
             </a:fld>
             <a:endParaRPr lang="zh-CN" altLang="en-US"/>
           </a:p>
@@ -1051,7 +1051,7 @@
           <a:p>
             <a:fld id="{DCE76F9B-5546-48B0-9EA1-1BCE5DE1A632}" type="datetimeFigureOut">
               <a:rPr lang="zh-CN" altLang="en-US" smtClean="0"/>
-              <a:t>2022/3/7</a:t>
+              <a:t>2022/3/8</a:t>
             </a:fld>
             <a:endParaRPr lang="zh-CN" altLang="en-US"/>
           </a:p>
@@ -1392,7 +1392,7 @@
           <a:p>
             <a:fld id="{DCE76F9B-5546-48B0-9EA1-1BCE5DE1A632}" type="datetimeFigureOut">
               <a:rPr lang="zh-CN" altLang="en-US" smtClean="0"/>
-              <a:t>2022/3/7</a:t>
+              <a:t>2022/3/8</a:t>
             </a:fld>
             <a:endParaRPr lang="zh-CN" altLang="en-US"/>
           </a:p>
@@ -2015,7 +2015,7 @@
           <a:p>
             <a:fld id="{DCE76F9B-5546-48B0-9EA1-1BCE5DE1A632}" type="datetimeFigureOut">
               <a:rPr lang="zh-CN" altLang="en-US" smtClean="0"/>
-              <a:t>2022/3/7</a:t>
+              <a:t>2022/3/8</a:t>
             </a:fld>
             <a:endParaRPr lang="zh-CN" altLang="en-US"/>
           </a:p>
@@ -2875,7 +2875,7 @@
           <a:p>
             <a:fld id="{DCE76F9B-5546-48B0-9EA1-1BCE5DE1A632}" type="datetimeFigureOut">
               <a:rPr lang="zh-CN" altLang="en-US" smtClean="0"/>
-              <a:t>2022/3/7</a:t>
+              <a:t>2022/3/8</a:t>
             </a:fld>
             <a:endParaRPr lang="zh-CN" altLang="en-US"/>
           </a:p>
@@ -3045,7 +3045,7 @@
           <a:p>
             <a:fld id="{DCE76F9B-5546-48B0-9EA1-1BCE5DE1A632}" type="datetimeFigureOut">
               <a:rPr lang="zh-CN" altLang="en-US" smtClean="0"/>
-              <a:t>2022/3/7</a:t>
+              <a:t>2022/3/8</a:t>
             </a:fld>
             <a:endParaRPr lang="zh-CN" altLang="en-US"/>
           </a:p>
@@ -3225,7 +3225,7 @@
           <a:p>
             <a:fld id="{DCE76F9B-5546-48B0-9EA1-1BCE5DE1A632}" type="datetimeFigureOut">
               <a:rPr lang="zh-CN" altLang="en-US" smtClean="0"/>
-              <a:t>2022/3/7</a:t>
+              <a:t>2022/3/8</a:t>
             </a:fld>
             <a:endParaRPr lang="zh-CN" altLang="en-US"/>
           </a:p>
@@ -3395,7 +3395,7 @@
           <a:p>
             <a:fld id="{DCE76F9B-5546-48B0-9EA1-1BCE5DE1A632}" type="datetimeFigureOut">
               <a:rPr lang="zh-CN" altLang="en-US" smtClean="0"/>
-              <a:t>2022/3/7</a:t>
+              <a:t>2022/3/8</a:t>
             </a:fld>
             <a:endParaRPr lang="zh-CN" altLang="en-US"/>
           </a:p>
@@ -3642,7 +3642,7 @@
           <a:p>
             <a:fld id="{DCE76F9B-5546-48B0-9EA1-1BCE5DE1A632}" type="datetimeFigureOut">
               <a:rPr lang="zh-CN" altLang="en-US" smtClean="0"/>
-              <a:t>2022/3/7</a:t>
+              <a:t>2022/3/8</a:t>
             </a:fld>
             <a:endParaRPr lang="zh-CN" altLang="en-US"/>
           </a:p>
@@ -3934,7 +3934,7 @@
           <a:p>
             <a:fld id="{DCE76F9B-5546-48B0-9EA1-1BCE5DE1A632}" type="datetimeFigureOut">
               <a:rPr lang="zh-CN" altLang="en-US" smtClean="0"/>
-              <a:t>2022/3/7</a:t>
+              <a:t>2022/3/8</a:t>
             </a:fld>
             <a:endParaRPr lang="zh-CN" altLang="en-US"/>
           </a:p>
@@ -4378,7 +4378,7 @@
           <a:p>
             <a:fld id="{DCE76F9B-5546-48B0-9EA1-1BCE5DE1A632}" type="datetimeFigureOut">
               <a:rPr lang="zh-CN" altLang="en-US" smtClean="0"/>
-              <a:t>2022/3/7</a:t>
+              <a:t>2022/3/8</a:t>
             </a:fld>
             <a:endParaRPr lang="zh-CN" altLang="en-US"/>
           </a:p>
@@ -4496,7 +4496,7 @@
           <a:p>
             <a:fld id="{DCE76F9B-5546-48B0-9EA1-1BCE5DE1A632}" type="datetimeFigureOut">
               <a:rPr lang="zh-CN" altLang="en-US" smtClean="0"/>
-              <a:t>2022/3/7</a:t>
+              <a:t>2022/3/8</a:t>
             </a:fld>
             <a:endParaRPr lang="zh-CN" altLang="en-US"/>
           </a:p>
@@ -4591,7 +4591,7 @@
           <a:p>
             <a:fld id="{DCE76F9B-5546-48B0-9EA1-1BCE5DE1A632}" type="datetimeFigureOut">
               <a:rPr lang="zh-CN" altLang="en-US" smtClean="0"/>
-              <a:t>2022/3/7</a:t>
+              <a:t>2022/3/8</a:t>
             </a:fld>
             <a:endParaRPr lang="zh-CN" altLang="en-US"/>
           </a:p>
@@ -4870,7 +4870,7 @@
           <a:p>
             <a:fld id="{DCE76F9B-5546-48B0-9EA1-1BCE5DE1A632}" type="datetimeFigureOut">
               <a:rPr lang="zh-CN" altLang="en-US" smtClean="0"/>
-              <a:t>2022/3/7</a:t>
+              <a:t>2022/3/8</a:t>
             </a:fld>
             <a:endParaRPr lang="zh-CN" altLang="en-US"/>
           </a:p>
@@ -5145,7 +5145,7 @@
           <a:p>
             <a:fld id="{DCE76F9B-5546-48B0-9EA1-1BCE5DE1A632}" type="datetimeFigureOut">
               <a:rPr lang="zh-CN" altLang="en-US" smtClean="0"/>
-              <a:t>2022/3/7</a:t>
+              <a:t>2022/3/8</a:t>
             </a:fld>
             <a:endParaRPr lang="zh-CN" altLang="en-US"/>
           </a:p>
@@ -5574,7 +5574,7 @@
           <a:p>
             <a:fld id="{DCE76F9B-5546-48B0-9EA1-1BCE5DE1A632}" type="datetimeFigureOut">
               <a:rPr lang="zh-CN" altLang="en-US" smtClean="0"/>
-              <a:t>2022/3/7</a:t>
+              <a:t>2022/3/8</a:t>
             </a:fld>
             <a:endParaRPr lang="zh-CN" altLang="en-US"/>
           </a:p>
@@ -7581,7 +7581,7 @@
         </p:spPr>
         <p:txBody>
           <a:bodyPr>
-            <a:normAutofit lnSpcReduction="10000"/>
+            <a:normAutofit/>
           </a:bodyPr>
           <a:lstStyle/>
           <a:p>
@@ -7600,7 +7600,7 @@
                 <a:latin typeface="+mn-ea"/>
                 <a:ea typeface="+mn-ea"/>
               </a:rPr>
-              <a:t>可以根据数组实际含义和指针的含义去了解指针和多位数组的关系</a:t>
+              <a:t>其实不是变长数组，只是在函数中数组以指针的形式传递原数组，而形参可以以缺省的方式实现</a:t>
             </a:r>
             <a:endParaRPr lang="en-US" altLang="zh-CN" sz="1600" dirty="0">
               <a:latin typeface="+mn-ea"/>
@@ -7608,407 +7608,61 @@
             </a:endParaRPr>
           </a:p>
           <a:p>
-            <a:pPr marL="0" indent="0">
-              <a:buNone/>
-            </a:pPr>
-            <a:r>
-              <a:rPr lang="zh-CN" altLang="en-US" sz="1600" dirty="0">
-                <a:latin typeface="+mn-ea"/>
-                <a:ea typeface="+mn-ea"/>
-              </a:rPr>
-              <a:t>过程复杂，需要更形象的去了解</a:t>
-            </a:r>
+            <a:pPr lvl="1">
+              <a:buFont typeface="Wingdings" panose="05000000000000000000" pitchFamily="2" charset="2"/>
+              <a:buChar char="Ø"/>
+            </a:pPr>
+            <a:r>
+              <a:rPr lang="zh-CN" altLang="en-US" sz="1400" dirty="0">
+                <a:latin typeface="+mn-ea"/>
+                <a:ea typeface="+mn-ea"/>
+              </a:rPr>
+              <a:t>以变量为长度的数组</a:t>
+            </a:r>
+            <a:endParaRPr lang="en-US" altLang="zh-CN" sz="1400" dirty="0">
+              <a:latin typeface="+mn-ea"/>
+              <a:ea typeface="+mn-ea"/>
+            </a:endParaRPr>
+          </a:p>
+          <a:p>
+            <a:pPr lvl="1">
+              <a:buFont typeface="Wingdings" panose="05000000000000000000" pitchFamily="2" charset="2"/>
+              <a:buChar char="Ø"/>
+            </a:pPr>
+            <a:r>
+              <a:rPr lang="zh-CN" altLang="en-US" sz="1400" dirty="0">
+                <a:latin typeface="+mn-ea"/>
+                <a:ea typeface="+mn-ea"/>
+              </a:rPr>
+              <a:t>在声明时不能初始化数组</a:t>
+            </a:r>
+            <a:endParaRPr lang="en-US" altLang="zh-CN" sz="1400">
+              <a:latin typeface="+mn-ea"/>
+              <a:ea typeface="+mn-ea"/>
+            </a:endParaRPr>
+          </a:p>
+          <a:p>
+            <a:pPr lvl="1">
+              <a:buFont typeface="Wingdings" panose="05000000000000000000" pitchFamily="2" charset="2"/>
+              <a:buChar char="Ø"/>
+            </a:pPr>
+            <a:r>
+              <a:rPr lang="en-US" altLang="zh-CN" sz="1400" dirty="0">
+                <a:latin typeface="+mn-ea"/>
+                <a:ea typeface="+mn-ea"/>
+              </a:rPr>
+              <a:t>	</a:t>
+            </a:r>
+          </a:p>
+          <a:p>
+            <a:pPr>
+              <a:buFont typeface="Wingdings" panose="05000000000000000000" pitchFamily="2" charset="2"/>
+              <a:buChar char="Ø"/>
+            </a:pPr>
             <a:endParaRPr lang="en-US" altLang="zh-CN" sz="1600" dirty="0">
               <a:latin typeface="+mn-ea"/>
               <a:ea typeface="+mn-ea"/>
             </a:endParaRPr>
-          </a:p>
-          <a:p>
-            <a:pPr marL="0" indent="0">
-              <a:buNone/>
-            </a:pPr>
-            <a:r>
-              <a:rPr lang="en-US" altLang="zh-CN" sz="1600" dirty="0">
-                <a:latin typeface="+mn-ea"/>
-                <a:ea typeface="+mn-ea"/>
-              </a:rPr>
-              <a:t>10.7.1 </a:t>
-            </a:r>
-            <a:r>
-              <a:rPr lang="zh-CN" altLang="en-US" sz="1600" dirty="0">
-                <a:latin typeface="+mn-ea"/>
-                <a:ea typeface="+mn-ea"/>
-              </a:rPr>
-              <a:t>指向多位数组的指针</a:t>
-            </a:r>
-            <a:endParaRPr lang="en-US" altLang="zh-CN" sz="1600" dirty="0">
-              <a:latin typeface="+mn-ea"/>
-              <a:ea typeface="+mn-ea"/>
-            </a:endParaRPr>
-          </a:p>
-          <a:p>
-            <a:pPr marL="0" indent="0">
-              <a:buNone/>
-            </a:pPr>
-            <a:r>
-              <a:rPr lang="en-US" altLang="zh-CN" sz="1600" dirty="0">
-                <a:latin typeface="+mn-ea"/>
-                <a:ea typeface="+mn-ea"/>
-              </a:rPr>
-              <a:t>	</a:t>
-            </a:r>
-            <a:r>
-              <a:rPr lang="zh-CN" altLang="en-US" sz="1600" dirty="0">
-                <a:latin typeface="+mn-ea"/>
-                <a:ea typeface="+mn-ea"/>
-              </a:rPr>
-              <a:t>数组指针：</a:t>
-            </a:r>
-            <a:endParaRPr lang="en-US" altLang="zh-CN" sz="1600" dirty="0">
-              <a:latin typeface="+mn-ea"/>
-              <a:ea typeface="+mn-ea"/>
-            </a:endParaRPr>
-          </a:p>
-          <a:p>
-            <a:pPr marL="0" indent="0">
-              <a:buNone/>
-            </a:pPr>
-            <a:r>
-              <a:rPr lang="en-US" altLang="zh-CN" sz="1600" dirty="0">
-                <a:latin typeface="+mn-ea"/>
-                <a:ea typeface="+mn-ea"/>
-              </a:rPr>
-              <a:t>		int(*p)[2] </a:t>
-            </a:r>
-            <a:r>
-              <a:rPr lang="zh-CN" altLang="en-US" sz="1600" dirty="0">
-                <a:latin typeface="+mn-ea"/>
-                <a:ea typeface="+mn-ea"/>
-              </a:rPr>
-              <a:t>指向一个内含两个</a:t>
-            </a:r>
-            <a:r>
-              <a:rPr lang="en-US" altLang="zh-CN" sz="1600" dirty="0">
-                <a:latin typeface="+mn-ea"/>
-                <a:ea typeface="+mn-ea"/>
-              </a:rPr>
-              <a:t>int</a:t>
-            </a:r>
-            <a:r>
-              <a:rPr lang="zh-CN" altLang="en-US" sz="1600" dirty="0">
-                <a:latin typeface="+mn-ea"/>
-                <a:ea typeface="+mn-ea"/>
-              </a:rPr>
-              <a:t>类型值的数组</a:t>
-            </a:r>
-            <a:endParaRPr lang="en-US" altLang="zh-CN" sz="1600" dirty="0">
-              <a:latin typeface="+mn-ea"/>
-              <a:ea typeface="+mn-ea"/>
-            </a:endParaRPr>
-          </a:p>
-          <a:p>
-            <a:pPr marL="0" indent="0">
-              <a:buNone/>
-            </a:pPr>
-            <a:r>
-              <a:rPr lang="en-US" altLang="zh-CN" sz="1600" dirty="0">
-                <a:latin typeface="+mn-ea"/>
-                <a:ea typeface="+mn-ea"/>
-              </a:rPr>
-              <a:t>	</a:t>
-            </a:r>
-            <a:r>
-              <a:rPr lang="zh-CN" altLang="en-US" sz="1600" dirty="0">
-                <a:latin typeface="+mn-ea"/>
-                <a:ea typeface="+mn-ea"/>
-              </a:rPr>
-              <a:t>指针数组：</a:t>
-            </a:r>
-            <a:endParaRPr lang="en-US" altLang="zh-CN" sz="1600" dirty="0">
-              <a:latin typeface="+mn-ea"/>
-              <a:ea typeface="+mn-ea"/>
-            </a:endParaRPr>
-          </a:p>
-          <a:p>
-            <a:pPr marL="0" indent="0">
-              <a:buNone/>
-            </a:pPr>
-            <a:r>
-              <a:rPr lang="en-US" altLang="zh-CN" sz="1600" dirty="0">
-                <a:latin typeface="+mn-ea"/>
-                <a:ea typeface="+mn-ea"/>
-              </a:rPr>
-              <a:t>		int* p[2] </a:t>
-            </a:r>
-            <a:r>
-              <a:rPr lang="zh-CN" altLang="en-US" sz="1600" dirty="0">
-                <a:latin typeface="+mn-ea"/>
-                <a:ea typeface="+mn-ea"/>
-              </a:rPr>
-              <a:t>一个内含两个指针类型的数组</a:t>
-            </a:r>
-            <a:endParaRPr lang="en-US" altLang="zh-CN" sz="1600" dirty="0">
-              <a:latin typeface="+mn-ea"/>
-              <a:ea typeface="+mn-ea"/>
-            </a:endParaRPr>
-          </a:p>
-          <a:p>
-            <a:pPr marL="0" indent="0">
-              <a:buNone/>
-            </a:pPr>
-            <a:r>
-              <a:rPr lang="en-US" altLang="zh-CN" sz="1600" dirty="0">
-                <a:latin typeface="+mn-ea"/>
-                <a:ea typeface="+mn-ea"/>
-              </a:rPr>
-              <a:t>	[]</a:t>
-            </a:r>
-            <a:r>
-              <a:rPr lang="zh-CN" altLang="en-US" sz="1600" dirty="0">
-                <a:latin typeface="+mn-ea"/>
-                <a:ea typeface="+mn-ea"/>
-              </a:rPr>
-              <a:t>中括号优先级大于</a:t>
-            </a:r>
-            <a:r>
-              <a:rPr lang="en-US" altLang="zh-CN" sz="1600" dirty="0">
-                <a:latin typeface="+mn-ea"/>
-                <a:ea typeface="+mn-ea"/>
-              </a:rPr>
-              <a:t>*</a:t>
-            </a:r>
-            <a:r>
-              <a:rPr lang="zh-CN" altLang="en-US" sz="1600" dirty="0">
-                <a:latin typeface="+mn-ea"/>
-                <a:ea typeface="+mn-ea"/>
-              </a:rPr>
-              <a:t>，谁先和变量名结合代表了变量是什么</a:t>
-            </a:r>
-            <a:endParaRPr lang="en-US" altLang="zh-CN" sz="1600" dirty="0">
-              <a:latin typeface="+mn-ea"/>
-              <a:ea typeface="+mn-ea"/>
-            </a:endParaRPr>
-          </a:p>
-          <a:p>
-            <a:pPr marL="0" indent="0">
-              <a:buNone/>
-            </a:pPr>
-            <a:r>
-              <a:rPr lang="en-US" altLang="zh-CN" sz="1600" dirty="0">
-                <a:latin typeface="+mn-ea"/>
-                <a:ea typeface="+mn-ea"/>
-              </a:rPr>
-              <a:t>10.7.2 </a:t>
-            </a:r>
-            <a:r>
-              <a:rPr lang="zh-CN" altLang="en-US" sz="1600" dirty="0">
-                <a:latin typeface="+mn-ea"/>
-                <a:ea typeface="+mn-ea"/>
-              </a:rPr>
-              <a:t>指针的兼容性</a:t>
-            </a:r>
-            <a:endParaRPr lang="en-US" altLang="zh-CN" sz="1600" dirty="0">
-              <a:latin typeface="+mn-ea"/>
-              <a:ea typeface="+mn-ea"/>
-            </a:endParaRPr>
-          </a:p>
-          <a:p>
-            <a:pPr marL="0" indent="0">
-              <a:buNone/>
-            </a:pPr>
-            <a:r>
-              <a:rPr lang="en-US" altLang="zh-CN" sz="1600" dirty="0">
-                <a:latin typeface="+mn-ea"/>
-                <a:ea typeface="+mn-ea"/>
-              </a:rPr>
-              <a:t>	</a:t>
-            </a:r>
-            <a:r>
-              <a:rPr lang="zh-CN" altLang="en-US" sz="1600" dirty="0">
-                <a:latin typeface="+mn-ea"/>
-                <a:ea typeface="+mn-ea"/>
-              </a:rPr>
-              <a:t>指针之间的赋值比数据类型之间的赋值要严格得多</a:t>
-            </a:r>
-            <a:endParaRPr lang="en-US" altLang="zh-CN" sz="1600" dirty="0">
-              <a:latin typeface="+mn-ea"/>
-              <a:ea typeface="+mn-ea"/>
-            </a:endParaRPr>
-          </a:p>
-          <a:p>
-            <a:pPr marL="0" indent="0">
-              <a:buNone/>
-            </a:pPr>
-            <a:r>
-              <a:rPr lang="en-US" altLang="zh-CN" sz="1600" dirty="0">
-                <a:latin typeface="+mn-ea"/>
-                <a:ea typeface="+mn-ea"/>
-              </a:rPr>
-              <a:t>10.7.3 </a:t>
-            </a:r>
-            <a:r>
-              <a:rPr lang="zh-CN" altLang="en-US" sz="1600" dirty="0">
-                <a:latin typeface="+mn-ea"/>
-                <a:ea typeface="+mn-ea"/>
-              </a:rPr>
-              <a:t>函数和多维数组</a:t>
-            </a:r>
-            <a:endParaRPr lang="en-US" altLang="zh-CN" sz="1600" dirty="0">
-              <a:latin typeface="+mn-ea"/>
-              <a:ea typeface="+mn-ea"/>
-            </a:endParaRPr>
-          </a:p>
-          <a:p>
-            <a:pPr marL="0" indent="0">
-              <a:buNone/>
-            </a:pPr>
-            <a:r>
-              <a:rPr lang="en-US" altLang="zh-CN" sz="1600" dirty="0">
-                <a:latin typeface="+mn-ea"/>
-                <a:ea typeface="+mn-ea"/>
-              </a:rPr>
-              <a:t>	</a:t>
-            </a:r>
-            <a:r>
-              <a:rPr lang="zh-CN" altLang="en-US" sz="1600" dirty="0">
-                <a:latin typeface="+mn-ea"/>
-                <a:ea typeface="+mn-ea"/>
-              </a:rPr>
-              <a:t>在函数声明中，编译器会把数组表示法转化为指针表示法，所以在二维数组中要明确知道对象的大小；</a:t>
-            </a:r>
-            <a:endParaRPr lang="en-US" altLang="zh-CN" sz="1600" dirty="0">
-              <a:latin typeface="+mn-ea"/>
-              <a:ea typeface="+mn-ea"/>
-            </a:endParaRPr>
-          </a:p>
-          <a:p>
-            <a:pPr marL="0" indent="0">
-              <a:buNone/>
-            </a:pPr>
-            <a:r>
-              <a:rPr lang="en-US" altLang="zh-CN" sz="1600" dirty="0">
-                <a:latin typeface="+mn-ea"/>
-                <a:ea typeface="+mn-ea"/>
-              </a:rPr>
-              <a:t>	int sum(int </a:t>
-            </a:r>
-            <a:r>
-              <a:rPr lang="en-US" altLang="zh-CN" sz="1600" dirty="0" err="1">
-                <a:latin typeface="+mn-ea"/>
-                <a:ea typeface="+mn-ea"/>
-              </a:rPr>
-              <a:t>arr</a:t>
-            </a:r>
-            <a:r>
-              <a:rPr lang="en-US" altLang="zh-CN" sz="1600" dirty="0">
-                <a:latin typeface="+mn-ea"/>
-                <a:ea typeface="+mn-ea"/>
-              </a:rPr>
-              <a:t>[][],int rows);</a:t>
-            </a:r>
-            <a:r>
-              <a:rPr lang="zh-CN" altLang="en-US" sz="1600" dirty="0">
-                <a:latin typeface="+mn-ea"/>
-                <a:ea typeface="+mn-ea"/>
-              </a:rPr>
-              <a:t>这种是错误的</a:t>
-            </a:r>
-            <a:endParaRPr lang="en-US" altLang="zh-CN" sz="1600" dirty="0">
-              <a:latin typeface="+mn-ea"/>
-              <a:ea typeface="+mn-ea"/>
-            </a:endParaRPr>
-          </a:p>
-          <a:p>
-            <a:pPr marL="0" indent="0">
-              <a:buNone/>
-            </a:pPr>
-            <a:r>
-              <a:rPr lang="en-US" altLang="zh-CN" sz="1600" dirty="0">
-                <a:latin typeface="+mn-ea"/>
-                <a:ea typeface="+mn-ea"/>
-              </a:rPr>
-              <a:t>	int sum(int </a:t>
-            </a:r>
-            <a:r>
-              <a:rPr lang="en-US" altLang="zh-CN" sz="1600" dirty="0" err="1">
-                <a:latin typeface="+mn-ea"/>
-                <a:ea typeface="+mn-ea"/>
-              </a:rPr>
-              <a:t>arr</a:t>
-            </a:r>
-            <a:r>
-              <a:rPr lang="en-US" altLang="zh-CN" sz="1600" dirty="0">
-                <a:latin typeface="+mn-ea"/>
-                <a:ea typeface="+mn-ea"/>
-              </a:rPr>
-              <a:t>[3][4],int rows);</a:t>
-            </a:r>
-            <a:r>
-              <a:rPr lang="zh-CN" altLang="en-US" sz="1600" dirty="0">
-                <a:latin typeface="+mn-ea"/>
-                <a:ea typeface="+mn-ea"/>
-              </a:rPr>
-              <a:t>这种是可以的，编译器会忽略</a:t>
-            </a:r>
-            <a:r>
-              <a:rPr lang="en-US" altLang="zh-CN" sz="1600" dirty="0">
-                <a:latin typeface="+mn-ea"/>
-                <a:ea typeface="+mn-ea"/>
-              </a:rPr>
-              <a:t>3</a:t>
-            </a:r>
-          </a:p>
-          <a:p>
-            <a:pPr marL="0" indent="0">
-              <a:buNone/>
-            </a:pPr>
-            <a:r>
-              <a:rPr lang="en-US" altLang="zh-CN" sz="1600" dirty="0">
-                <a:latin typeface="+mn-ea"/>
-                <a:ea typeface="+mn-ea"/>
-              </a:rPr>
-              <a:t>	int sum(int </a:t>
-            </a:r>
-            <a:r>
-              <a:rPr lang="en-US" altLang="zh-CN" sz="1600" dirty="0" err="1">
-                <a:latin typeface="+mn-ea"/>
-                <a:ea typeface="+mn-ea"/>
-              </a:rPr>
-              <a:t>arr</a:t>
-            </a:r>
-            <a:r>
-              <a:rPr lang="en-US" altLang="zh-CN" sz="1600" dirty="0">
-                <a:latin typeface="+mn-ea"/>
-                <a:ea typeface="+mn-ea"/>
-              </a:rPr>
-              <a:t>[][4],int rows);</a:t>
-            </a:r>
-          </a:p>
-          <a:p>
-            <a:pPr marL="0" indent="0">
-              <a:buNone/>
-            </a:pPr>
-            <a:r>
-              <a:rPr lang="en-US" altLang="zh-CN" sz="1600" dirty="0">
-                <a:latin typeface="+mn-ea"/>
-                <a:ea typeface="+mn-ea"/>
-              </a:rPr>
-              <a:t>	int sum(int (*</a:t>
-            </a:r>
-            <a:r>
-              <a:rPr lang="en-US" altLang="zh-CN" sz="1600" dirty="0" err="1">
-                <a:latin typeface="+mn-ea"/>
-                <a:ea typeface="+mn-ea"/>
-              </a:rPr>
-              <a:t>arr</a:t>
-            </a:r>
-            <a:r>
-              <a:rPr lang="en-US" altLang="zh-CN" sz="1600" dirty="0">
-                <a:latin typeface="+mn-ea"/>
-                <a:ea typeface="+mn-ea"/>
-              </a:rPr>
-              <a:t>)[4],int rows);</a:t>
-            </a:r>
           </a:p>
         </p:txBody>
       </p:sp>

--- a/10数组和指针.pptx
+++ b/10数组和指针.pptx
@@ -7532,11 +7532,11 @@
               <a:t>变长数组（</a:t>
             </a:r>
             <a:r>
-              <a:rPr lang="en-US" altLang="zh-CN" sz="2400"/>
+              <a:rPr lang="en-US" altLang="zh-CN" sz="2400" dirty="0" err="1"/>
               <a:t>vla</a:t>
             </a:r>
             <a:r>
-              <a:rPr lang="zh-CN" altLang="en-US" sz="2400"/>
+              <a:rPr lang="zh-CN" altLang="en-US" sz="2400" dirty="0"/>
               <a:t>）</a:t>
             </a:r>
             <a:br>
@@ -7576,7 +7576,7 @@
         <p:spPr>
           <a:xfrm>
             <a:off x="1103312" y="896645"/>
-            <a:ext cx="8946541" cy="5805996"/>
+            <a:ext cx="8946541" cy="1349405"/>
           </a:xfrm>
         </p:spPr>
         <p:txBody>
@@ -7636,7 +7636,7 @@
               </a:rPr>
               <a:t>在声明时不能初始化数组</a:t>
             </a:r>
-            <a:endParaRPr lang="en-US" altLang="zh-CN" sz="1400">
+            <a:endParaRPr lang="en-US" altLang="zh-CN" sz="1400" dirty="0">
               <a:latin typeface="+mn-ea"/>
               <a:ea typeface="+mn-ea"/>
             </a:endParaRPr>
@@ -7646,13 +7646,10 @@
               <a:buFont typeface="Wingdings" panose="05000000000000000000" pitchFamily="2" charset="2"/>
               <a:buChar char="Ø"/>
             </a:pPr>
-            <a:r>
-              <a:rPr lang="en-US" altLang="zh-CN" sz="1400" dirty="0">
-                <a:latin typeface="+mn-ea"/>
-                <a:ea typeface="+mn-ea"/>
-              </a:rPr>
-              <a:t>	</a:t>
-            </a:r>
+            <a:endParaRPr lang="en-US" altLang="zh-CN" sz="1400" dirty="0">
+              <a:latin typeface="+mn-ea"/>
+              <a:ea typeface="+mn-ea"/>
+            </a:endParaRPr>
           </a:p>
           <a:p>
             <a:pPr>
@@ -7663,6 +7660,712 @@
               <a:latin typeface="+mn-ea"/>
               <a:ea typeface="+mn-ea"/>
             </a:endParaRPr>
+          </a:p>
+        </p:txBody>
+      </p:sp>
+      <p:sp>
+        <p:nvSpPr>
+          <p:cNvPr id="4" name="标题 1">
+            <a:extLst>
+              <a:ext uri="{FF2B5EF4-FFF2-40B4-BE49-F238E27FC236}">
+                <a16:creationId xmlns:a16="http://schemas.microsoft.com/office/drawing/2014/main" id="{EF6CDBCF-A6DF-4698-BF1C-8661302B35E5}"/>
+              </a:ext>
+            </a:extLst>
+          </p:cNvPr>
+          <p:cNvSpPr txBox="1">
+            <a:spLocks/>
+          </p:cNvSpPr>
+          <p:nvPr/>
+        </p:nvSpPr>
+        <p:spPr>
+          <a:xfrm>
+            <a:off x="645130" y="2547913"/>
+            <a:ext cx="9404723" cy="905565"/>
+          </a:xfrm>
+          <a:prstGeom prst="rect">
+            <a:avLst/>
+          </a:prstGeom>
+        </p:spPr>
+        <p:txBody>
+          <a:bodyPr vert="horz" lIns="91440" tIns="45720" rIns="91440" bIns="45720" rtlCol="0" anchor="t">
+            <a:noAutofit/>
+          </a:bodyPr>
+          <a:lstStyle>
+            <a:lvl1pPr algn="l" defTabSz="457200" rtl="0" eaLnBrk="1" latinLnBrk="0" hangingPunct="1">
+              <a:spcBef>
+                <a:spcPct val="0"/>
+              </a:spcBef>
+              <a:buNone/>
+              <a:defRPr sz="4200" b="0" i="0" kern="1200">
+                <a:solidFill>
+                  <a:schemeClr val="tx2"/>
+                </a:solidFill>
+                <a:latin typeface="+mj-lt"/>
+                <a:ea typeface="+mj-ea"/>
+                <a:cs typeface="+mj-cs"/>
+              </a:defRPr>
+            </a:lvl1pPr>
+            <a:lvl2pPr eaLnBrk="1" hangingPunct="1">
+              <a:defRPr>
+                <a:solidFill>
+                  <a:schemeClr val="tx2"/>
+                </a:solidFill>
+              </a:defRPr>
+            </a:lvl2pPr>
+            <a:lvl3pPr eaLnBrk="1" hangingPunct="1">
+              <a:defRPr>
+                <a:solidFill>
+                  <a:schemeClr val="tx2"/>
+                </a:solidFill>
+              </a:defRPr>
+            </a:lvl3pPr>
+            <a:lvl4pPr eaLnBrk="1" hangingPunct="1">
+              <a:defRPr>
+                <a:solidFill>
+                  <a:schemeClr val="tx2"/>
+                </a:solidFill>
+              </a:defRPr>
+            </a:lvl4pPr>
+            <a:lvl5pPr eaLnBrk="1" hangingPunct="1">
+              <a:defRPr>
+                <a:solidFill>
+                  <a:schemeClr val="tx2"/>
+                </a:solidFill>
+              </a:defRPr>
+            </a:lvl5pPr>
+            <a:lvl6pPr eaLnBrk="1" hangingPunct="1">
+              <a:defRPr>
+                <a:solidFill>
+                  <a:schemeClr val="tx2"/>
+                </a:solidFill>
+              </a:defRPr>
+            </a:lvl6pPr>
+            <a:lvl7pPr eaLnBrk="1" hangingPunct="1">
+              <a:defRPr>
+                <a:solidFill>
+                  <a:schemeClr val="tx2"/>
+                </a:solidFill>
+              </a:defRPr>
+            </a:lvl7pPr>
+            <a:lvl8pPr eaLnBrk="1" hangingPunct="1">
+              <a:defRPr>
+                <a:solidFill>
+                  <a:schemeClr val="tx2"/>
+                </a:solidFill>
+              </a:defRPr>
+            </a:lvl8pPr>
+            <a:lvl9pPr eaLnBrk="1" hangingPunct="1">
+              <a:defRPr>
+                <a:solidFill>
+                  <a:schemeClr val="tx2"/>
+                </a:solidFill>
+              </a:defRPr>
+            </a:lvl9pPr>
+          </a:lstStyle>
+          <a:p>
+            <a:r>
+              <a:rPr lang="en-US" altLang="zh-CN" sz="2400" dirty="0"/>
+              <a:t>10.9 </a:t>
+            </a:r>
+            <a:r>
+              <a:rPr lang="zh-CN" altLang="en-US" sz="2400" dirty="0"/>
+              <a:t>复合字面量</a:t>
+            </a:r>
+            <a:endParaRPr lang="en-US" altLang="zh-CN" sz="2400" dirty="0"/>
+          </a:p>
+          <a:p>
+            <a:r>
+              <a:rPr lang="en-US" altLang="zh-CN" sz="2400" dirty="0"/>
+              <a:t>	</a:t>
+            </a:r>
+            <a:br>
+              <a:rPr lang="en-US" altLang="zh-CN" sz="2400" dirty="0"/>
+            </a:br>
+            <a:r>
+              <a:rPr lang="en-US" altLang="zh-CN" sz="2400" dirty="0"/>
+              <a:t>	</a:t>
+            </a:r>
+            <a:br>
+              <a:rPr lang="en-US" altLang="zh-CN" sz="1600" dirty="0"/>
+            </a:br>
+            <a:r>
+              <a:rPr lang="en-US" altLang="zh-CN" sz="2400" dirty="0"/>
+              <a:t>	</a:t>
+            </a:r>
+            <a:endParaRPr lang="zh-CN" altLang="en-US" sz="2400" dirty="0"/>
+          </a:p>
+        </p:txBody>
+      </p:sp>
+      <p:sp>
+        <p:nvSpPr>
+          <p:cNvPr id="6" name="内容占位符 2">
+            <a:extLst>
+              <a:ext uri="{FF2B5EF4-FFF2-40B4-BE49-F238E27FC236}">
+                <a16:creationId xmlns:a16="http://schemas.microsoft.com/office/drawing/2014/main" id="{8F648B14-9A32-4F50-8CF3-76A6C573E577}"/>
+              </a:ext>
+            </a:extLst>
+          </p:cNvPr>
+          <p:cNvSpPr txBox="1">
+            <a:spLocks/>
+          </p:cNvSpPr>
+          <p:nvPr/>
+        </p:nvSpPr>
+        <p:spPr>
+          <a:xfrm>
+            <a:off x="874220" y="3000695"/>
+            <a:ext cx="8946541" cy="2041864"/>
+          </a:xfrm>
+          <a:prstGeom prst="rect">
+            <a:avLst/>
+          </a:prstGeom>
+        </p:spPr>
+        <p:txBody>
+          <a:bodyPr vert="horz" lIns="91440" tIns="45720" rIns="91440" bIns="45720" rtlCol="0">
+            <a:normAutofit lnSpcReduction="10000"/>
+          </a:bodyPr>
+          <a:lstStyle>
+            <a:lvl1pPr marL="342900" indent="-342900" algn="l" defTabSz="457200" rtl="0" eaLnBrk="1" latinLnBrk="0" hangingPunct="1">
+              <a:spcBef>
+                <a:spcPts val="1000"/>
+              </a:spcBef>
+              <a:spcAft>
+                <a:spcPts val="0"/>
+              </a:spcAft>
+              <a:buClr>
+                <a:schemeClr val="bg2">
+                  <a:lumMod val="40000"/>
+                  <a:lumOff val="60000"/>
+                </a:schemeClr>
+              </a:buClr>
+              <a:buSzPct val="80000"/>
+              <a:buFont typeface="Wingdings 3" charset="2"/>
+              <a:buChar char=""/>
+              <a:defRPr sz="2000" b="0" i="0" kern="1200">
+                <a:solidFill>
+                  <a:schemeClr val="tx1"/>
+                </a:solidFill>
+                <a:latin typeface="+mj-lt"/>
+                <a:ea typeface="+mj-ea"/>
+                <a:cs typeface="+mj-cs"/>
+              </a:defRPr>
+            </a:lvl1pPr>
+            <a:lvl2pPr marL="742950" indent="-285750" algn="l" defTabSz="457200" rtl="0" eaLnBrk="1" latinLnBrk="0" hangingPunct="1">
+              <a:spcBef>
+                <a:spcPts val="1000"/>
+              </a:spcBef>
+              <a:spcAft>
+                <a:spcPts val="0"/>
+              </a:spcAft>
+              <a:buClr>
+                <a:schemeClr val="bg2">
+                  <a:lumMod val="40000"/>
+                  <a:lumOff val="60000"/>
+                </a:schemeClr>
+              </a:buClr>
+              <a:buSzPct val="80000"/>
+              <a:buFont typeface="Wingdings 3" charset="2"/>
+              <a:buChar char=""/>
+              <a:defRPr sz="1800" b="0" i="0" kern="1200">
+                <a:solidFill>
+                  <a:schemeClr val="tx1"/>
+                </a:solidFill>
+                <a:latin typeface="+mj-lt"/>
+                <a:ea typeface="+mj-ea"/>
+                <a:cs typeface="+mj-cs"/>
+              </a:defRPr>
+            </a:lvl2pPr>
+            <a:lvl3pPr marL="1143000" indent="-228600" algn="l" defTabSz="457200" rtl="0" eaLnBrk="1" latinLnBrk="0" hangingPunct="1">
+              <a:spcBef>
+                <a:spcPts val="1000"/>
+              </a:spcBef>
+              <a:spcAft>
+                <a:spcPts val="0"/>
+              </a:spcAft>
+              <a:buClr>
+                <a:schemeClr val="bg2">
+                  <a:lumMod val="40000"/>
+                  <a:lumOff val="60000"/>
+                </a:schemeClr>
+              </a:buClr>
+              <a:buSzPct val="80000"/>
+              <a:buFont typeface="Wingdings 3" charset="2"/>
+              <a:buChar char=""/>
+              <a:defRPr sz="1600" b="0" i="0" kern="1200">
+                <a:solidFill>
+                  <a:schemeClr val="tx1"/>
+                </a:solidFill>
+                <a:latin typeface="+mj-lt"/>
+                <a:ea typeface="+mj-ea"/>
+                <a:cs typeface="+mj-cs"/>
+              </a:defRPr>
+            </a:lvl3pPr>
+            <a:lvl4pPr marL="1600200" indent="-228600" algn="l" defTabSz="457200" rtl="0" eaLnBrk="1" latinLnBrk="0" hangingPunct="1">
+              <a:spcBef>
+                <a:spcPts val="1000"/>
+              </a:spcBef>
+              <a:spcAft>
+                <a:spcPts val="0"/>
+              </a:spcAft>
+              <a:buClr>
+                <a:schemeClr val="bg2">
+                  <a:lumMod val="40000"/>
+                  <a:lumOff val="60000"/>
+                </a:schemeClr>
+              </a:buClr>
+              <a:buSzPct val="80000"/>
+              <a:buFont typeface="Wingdings 3" charset="2"/>
+              <a:buChar char=""/>
+              <a:defRPr sz="1400" b="0" i="0" kern="1200">
+                <a:solidFill>
+                  <a:schemeClr val="tx1"/>
+                </a:solidFill>
+                <a:latin typeface="+mj-lt"/>
+                <a:ea typeface="+mj-ea"/>
+                <a:cs typeface="+mj-cs"/>
+              </a:defRPr>
+            </a:lvl4pPr>
+            <a:lvl5pPr marL="2057400" indent="-228600" algn="l" defTabSz="457200" rtl="0" eaLnBrk="1" latinLnBrk="0" hangingPunct="1">
+              <a:spcBef>
+                <a:spcPts val="1000"/>
+              </a:spcBef>
+              <a:spcAft>
+                <a:spcPts val="0"/>
+              </a:spcAft>
+              <a:buClr>
+                <a:schemeClr val="bg2">
+                  <a:lumMod val="40000"/>
+                  <a:lumOff val="60000"/>
+                </a:schemeClr>
+              </a:buClr>
+              <a:buSzPct val="80000"/>
+              <a:buFont typeface="Wingdings 3" charset="2"/>
+              <a:buChar char=""/>
+              <a:defRPr sz="1400" b="0" i="0" kern="1200">
+                <a:solidFill>
+                  <a:schemeClr val="tx1"/>
+                </a:solidFill>
+                <a:latin typeface="+mj-lt"/>
+                <a:ea typeface="+mj-ea"/>
+                <a:cs typeface="+mj-cs"/>
+              </a:defRPr>
+            </a:lvl5pPr>
+            <a:lvl6pPr marL="2506000" indent="-228600" algn="l" defTabSz="457200" rtl="0" eaLnBrk="1" latinLnBrk="0" hangingPunct="1">
+              <a:spcBef>
+                <a:spcPts val="1000"/>
+              </a:spcBef>
+              <a:spcAft>
+                <a:spcPts val="0"/>
+              </a:spcAft>
+              <a:buClr>
+                <a:schemeClr val="bg2">
+                  <a:lumMod val="40000"/>
+                  <a:lumOff val="60000"/>
+                </a:schemeClr>
+              </a:buClr>
+              <a:buSzPct val="80000"/>
+              <a:buFont typeface="Wingdings 3" charset="2"/>
+              <a:buChar char=""/>
+              <a:defRPr sz="1400" b="0" i="0" kern="1200">
+                <a:solidFill>
+                  <a:schemeClr val="tx1"/>
+                </a:solidFill>
+                <a:latin typeface="+mj-lt"/>
+                <a:ea typeface="+mj-ea"/>
+                <a:cs typeface="+mj-cs"/>
+              </a:defRPr>
+            </a:lvl6pPr>
+            <a:lvl7pPr marL="2971800" indent="-228600" algn="l" defTabSz="457200" rtl="0" eaLnBrk="1" latinLnBrk="0" hangingPunct="1">
+              <a:spcBef>
+                <a:spcPts val="1000"/>
+              </a:spcBef>
+              <a:spcAft>
+                <a:spcPts val="0"/>
+              </a:spcAft>
+              <a:buClr>
+                <a:schemeClr val="bg2">
+                  <a:lumMod val="40000"/>
+                  <a:lumOff val="60000"/>
+                </a:schemeClr>
+              </a:buClr>
+              <a:buSzPct val="80000"/>
+              <a:buFont typeface="Wingdings 3" charset="2"/>
+              <a:buChar char=""/>
+              <a:defRPr sz="1400" b="0" i="0" kern="1200">
+                <a:solidFill>
+                  <a:schemeClr val="tx1"/>
+                </a:solidFill>
+                <a:latin typeface="+mj-lt"/>
+                <a:ea typeface="+mj-ea"/>
+                <a:cs typeface="+mj-cs"/>
+              </a:defRPr>
+            </a:lvl7pPr>
+            <a:lvl8pPr marL="3429000" indent="-228600" algn="l" defTabSz="457200" rtl="0" eaLnBrk="1" latinLnBrk="0" hangingPunct="1">
+              <a:spcBef>
+                <a:spcPts val="1000"/>
+              </a:spcBef>
+              <a:spcAft>
+                <a:spcPts val="0"/>
+              </a:spcAft>
+              <a:buClr>
+                <a:schemeClr val="bg2">
+                  <a:lumMod val="40000"/>
+                  <a:lumOff val="60000"/>
+                </a:schemeClr>
+              </a:buClr>
+              <a:buSzPct val="80000"/>
+              <a:buFont typeface="Wingdings 3" charset="2"/>
+              <a:buChar char=""/>
+              <a:defRPr sz="1400" b="0" i="0" kern="1200">
+                <a:solidFill>
+                  <a:schemeClr val="tx1"/>
+                </a:solidFill>
+                <a:latin typeface="+mj-lt"/>
+                <a:ea typeface="+mj-ea"/>
+                <a:cs typeface="+mj-cs"/>
+              </a:defRPr>
+            </a:lvl8pPr>
+            <a:lvl9pPr marL="3886200" indent="-228600" algn="l" defTabSz="457200" rtl="0" eaLnBrk="1" latinLnBrk="0" hangingPunct="1">
+              <a:spcBef>
+                <a:spcPts val="1000"/>
+              </a:spcBef>
+              <a:spcAft>
+                <a:spcPts val="0"/>
+              </a:spcAft>
+              <a:buClr>
+                <a:schemeClr val="bg2">
+                  <a:lumMod val="40000"/>
+                  <a:lumOff val="60000"/>
+                </a:schemeClr>
+              </a:buClr>
+              <a:buSzPct val="80000"/>
+              <a:buFont typeface="Wingdings 3" charset="2"/>
+              <a:buChar char=""/>
+              <a:defRPr sz="1400" b="0" i="0" kern="1200">
+                <a:solidFill>
+                  <a:schemeClr val="tx1"/>
+                </a:solidFill>
+                <a:latin typeface="+mj-lt"/>
+                <a:ea typeface="+mj-ea"/>
+                <a:cs typeface="+mj-cs"/>
+              </a:defRPr>
+            </a:lvl9pPr>
+          </a:lstStyle>
+          <a:p>
+            <a:pPr marL="0" indent="0">
+              <a:buFont typeface="Wingdings 3" charset="2"/>
+              <a:buNone/>
+            </a:pPr>
+            <a:r>
+              <a:rPr lang="en-US" altLang="zh-CN" sz="1600" dirty="0">
+                <a:latin typeface="+mn-ea"/>
+                <a:ea typeface="+mn-ea"/>
+              </a:rPr>
+              <a:t>	</a:t>
+            </a:r>
+            <a:r>
+              <a:rPr lang="zh-CN" altLang="en-US" sz="1600" dirty="0">
+                <a:latin typeface="+mn-ea"/>
+                <a:ea typeface="+mn-ea"/>
+              </a:rPr>
+              <a:t>标准类型有常量，常量中有字面常量</a:t>
+            </a:r>
+            <a:endParaRPr lang="en-US" altLang="zh-CN" sz="1600" dirty="0">
+              <a:latin typeface="+mn-ea"/>
+              <a:ea typeface="+mn-ea"/>
+            </a:endParaRPr>
+          </a:p>
+          <a:p>
+            <a:pPr marL="0" indent="0">
+              <a:buFont typeface="Wingdings 3" charset="2"/>
+              <a:buNone/>
+            </a:pPr>
+            <a:r>
+              <a:rPr lang="zh-CN" altLang="en-US" sz="1600" dirty="0">
+                <a:latin typeface="+mn-ea"/>
+                <a:ea typeface="+mn-ea"/>
+              </a:rPr>
+              <a:t>对于数组和结构，也有对应的符合字面量</a:t>
+            </a:r>
+            <a:endParaRPr lang="en-US" altLang="zh-CN" sz="1600" dirty="0">
+              <a:latin typeface="+mn-ea"/>
+              <a:ea typeface="+mn-ea"/>
+            </a:endParaRPr>
+          </a:p>
+          <a:p>
+            <a:pPr marL="0" indent="0">
+              <a:buFont typeface="Wingdings 3" charset="2"/>
+              <a:buNone/>
+            </a:pPr>
+            <a:r>
+              <a:rPr lang="zh-CN" altLang="en-US" sz="1600" dirty="0">
+                <a:latin typeface="+mn-ea"/>
+                <a:ea typeface="+mn-ea"/>
+              </a:rPr>
+              <a:t>数组的复合字面量</a:t>
+            </a:r>
+            <a:r>
+              <a:rPr lang="en-US" altLang="zh-CN" sz="1600" dirty="0">
+                <a:latin typeface="+mn-ea"/>
+                <a:ea typeface="+mn-ea"/>
+              </a:rPr>
+              <a:t>:</a:t>
+            </a:r>
+            <a:r>
+              <a:rPr lang="en-US" altLang="zh-CN" sz="1600" dirty="0">
+                <a:latin typeface="+mn-ea"/>
+                <a:ea typeface="+mn-ea"/>
+                <a:sym typeface="Wingdings" panose="05000000000000000000" pitchFamily="2" charset="2"/>
+              </a:rPr>
+              <a:t>(int []){10,5}		</a:t>
+            </a:r>
+            <a:r>
+              <a:rPr lang="zh-CN" altLang="en-US" sz="1600" dirty="0">
+                <a:latin typeface="+mn-ea"/>
+                <a:ea typeface="+mn-ea"/>
+                <a:sym typeface="Wingdings" panose="05000000000000000000" pitchFamily="2" charset="2"/>
+              </a:rPr>
+              <a:t>数组的声明去掉数组名和赋值</a:t>
+            </a:r>
+            <a:endParaRPr lang="en-US" altLang="zh-CN" sz="1600" dirty="0">
+              <a:latin typeface="+mn-ea"/>
+              <a:ea typeface="+mn-ea"/>
+            </a:endParaRPr>
+          </a:p>
+          <a:p>
+            <a:pPr lvl="1">
+              <a:buFont typeface="Wingdings" panose="05000000000000000000" pitchFamily="2" charset="2"/>
+              <a:buChar char="Ø"/>
+            </a:pPr>
+            <a:r>
+              <a:rPr lang="zh-CN" altLang="en-US" sz="1400" dirty="0">
+                <a:latin typeface="+mn-ea"/>
+                <a:ea typeface="+mn-ea"/>
+              </a:rPr>
+              <a:t>初始化有数组名的数组时可以省略数组大小，数组复合字面量也可以</a:t>
+            </a:r>
+            <a:endParaRPr lang="en-US" altLang="zh-CN" sz="1400" dirty="0">
+              <a:latin typeface="+mn-ea"/>
+              <a:ea typeface="+mn-ea"/>
+            </a:endParaRPr>
+          </a:p>
+          <a:p>
+            <a:pPr lvl="1">
+              <a:buFont typeface="Wingdings" panose="05000000000000000000" pitchFamily="2" charset="2"/>
+              <a:buChar char="Ø"/>
+            </a:pPr>
+            <a:r>
+              <a:rPr lang="zh-CN" altLang="en-US" sz="1400" dirty="0">
+                <a:latin typeface="+mn-ea"/>
+                <a:ea typeface="+mn-ea"/>
+              </a:rPr>
+              <a:t>复合字面量是匿名的，所以不能先创建然后再使用，必须在创建的同时使用它</a:t>
+            </a:r>
+            <a:endParaRPr lang="en-US" altLang="zh-CN" sz="1400" dirty="0">
+              <a:latin typeface="+mn-ea"/>
+              <a:ea typeface="+mn-ea"/>
+            </a:endParaRPr>
+          </a:p>
+          <a:p>
+            <a:pPr lvl="1">
+              <a:buFont typeface="Wingdings" panose="05000000000000000000" pitchFamily="2" charset="2"/>
+              <a:buChar char="Ø"/>
+            </a:pPr>
+            <a:r>
+              <a:rPr lang="zh-CN" altLang="en-US" sz="1400" dirty="0">
+                <a:latin typeface="+mn-ea"/>
+                <a:ea typeface="+mn-ea"/>
+              </a:rPr>
+              <a:t>数组复合字面量可以赋值给同类型的指针，也可以作为实际参数传给函数</a:t>
+            </a:r>
+            <a:endParaRPr lang="en-US" altLang="zh-CN" sz="1400" dirty="0">
+              <a:latin typeface="+mn-ea"/>
+              <a:ea typeface="+mn-ea"/>
+            </a:endParaRPr>
+          </a:p>
+          <a:p>
+            <a:pPr>
+              <a:buFont typeface="Wingdings" panose="05000000000000000000" pitchFamily="2" charset="2"/>
+              <a:buChar char="Ø"/>
+            </a:pPr>
+            <a:endParaRPr lang="en-US" altLang="zh-CN" sz="1600" dirty="0">
+              <a:latin typeface="+mn-ea"/>
+              <a:ea typeface="+mn-ea"/>
+            </a:endParaRPr>
+          </a:p>
+        </p:txBody>
+      </p:sp>
+      <p:sp>
+        <p:nvSpPr>
+          <p:cNvPr id="7" name="标题 1">
+            <a:extLst>
+              <a:ext uri="{FF2B5EF4-FFF2-40B4-BE49-F238E27FC236}">
+                <a16:creationId xmlns:a16="http://schemas.microsoft.com/office/drawing/2014/main" id="{27F3575B-45F1-4519-BB0C-BFE5D179C2B6}"/>
+              </a:ext>
+            </a:extLst>
+          </p:cNvPr>
+          <p:cNvSpPr txBox="1">
+            <a:spLocks/>
+          </p:cNvSpPr>
+          <p:nvPr/>
+        </p:nvSpPr>
+        <p:spPr>
+          <a:xfrm>
+            <a:off x="645130" y="5033702"/>
+            <a:ext cx="9404723" cy="1695572"/>
+          </a:xfrm>
+          <a:prstGeom prst="rect">
+            <a:avLst/>
+          </a:prstGeom>
+        </p:spPr>
+        <p:txBody>
+          <a:bodyPr vert="horz" lIns="91440" tIns="45720" rIns="91440" bIns="45720" rtlCol="0" anchor="t">
+            <a:noAutofit/>
+          </a:bodyPr>
+          <a:lstStyle>
+            <a:lvl1pPr algn="l" defTabSz="457200" rtl="0" eaLnBrk="1" latinLnBrk="0" hangingPunct="1">
+              <a:spcBef>
+                <a:spcPct val="0"/>
+              </a:spcBef>
+              <a:buNone/>
+              <a:defRPr sz="4200" b="0" i="0" kern="1200">
+                <a:solidFill>
+                  <a:schemeClr val="tx2"/>
+                </a:solidFill>
+                <a:latin typeface="+mj-lt"/>
+                <a:ea typeface="+mj-ea"/>
+                <a:cs typeface="+mj-cs"/>
+              </a:defRPr>
+            </a:lvl1pPr>
+            <a:lvl2pPr eaLnBrk="1" hangingPunct="1">
+              <a:defRPr>
+                <a:solidFill>
+                  <a:schemeClr val="tx2"/>
+                </a:solidFill>
+              </a:defRPr>
+            </a:lvl2pPr>
+            <a:lvl3pPr eaLnBrk="1" hangingPunct="1">
+              <a:defRPr>
+                <a:solidFill>
+                  <a:schemeClr val="tx2"/>
+                </a:solidFill>
+              </a:defRPr>
+            </a:lvl3pPr>
+            <a:lvl4pPr eaLnBrk="1" hangingPunct="1">
+              <a:defRPr>
+                <a:solidFill>
+                  <a:schemeClr val="tx2"/>
+                </a:solidFill>
+              </a:defRPr>
+            </a:lvl4pPr>
+            <a:lvl5pPr eaLnBrk="1" hangingPunct="1">
+              <a:defRPr>
+                <a:solidFill>
+                  <a:schemeClr val="tx2"/>
+                </a:solidFill>
+              </a:defRPr>
+            </a:lvl5pPr>
+            <a:lvl6pPr eaLnBrk="1" hangingPunct="1">
+              <a:defRPr>
+                <a:solidFill>
+                  <a:schemeClr val="tx2"/>
+                </a:solidFill>
+              </a:defRPr>
+            </a:lvl6pPr>
+            <a:lvl7pPr eaLnBrk="1" hangingPunct="1">
+              <a:defRPr>
+                <a:solidFill>
+                  <a:schemeClr val="tx2"/>
+                </a:solidFill>
+              </a:defRPr>
+            </a:lvl7pPr>
+            <a:lvl8pPr eaLnBrk="1" hangingPunct="1">
+              <a:defRPr>
+                <a:solidFill>
+                  <a:schemeClr val="tx2"/>
+                </a:solidFill>
+              </a:defRPr>
+            </a:lvl8pPr>
+            <a:lvl9pPr eaLnBrk="1" hangingPunct="1">
+              <a:defRPr>
+                <a:solidFill>
+                  <a:schemeClr val="tx2"/>
+                </a:solidFill>
+              </a:defRPr>
+            </a:lvl9pPr>
+          </a:lstStyle>
+          <a:p>
+            <a:r>
+              <a:rPr lang="en-US" altLang="zh-CN" sz="2400" dirty="0"/>
+              <a:t>10.10 </a:t>
+            </a:r>
+            <a:r>
+              <a:rPr lang="zh-CN" altLang="en-US" sz="2400" dirty="0"/>
+              <a:t>关键概念</a:t>
+            </a:r>
+            <a:endParaRPr lang="en-US" altLang="zh-CN" sz="2400" dirty="0"/>
+          </a:p>
+          <a:p>
+            <a:r>
+              <a:rPr lang="en-US" altLang="zh-CN" sz="2400" dirty="0"/>
+              <a:t>	</a:t>
+            </a:r>
+            <a:r>
+              <a:rPr lang="zh-CN" altLang="en-US" sz="1600" dirty="0"/>
+              <a:t>数组用于储存相同类型的数组，它是派生类型，不是原始类型，所以声明数组时必须标明其基本类型；函数处理数组时，传递的不是整个数组，而是数组的地址，因此传递的参数是数组地址和 元素个数</a:t>
+            </a:r>
+            <a:endParaRPr lang="en-US" altLang="zh-CN" sz="1600" dirty="0"/>
+          </a:p>
+          <a:p>
+            <a:r>
+              <a:rPr lang="zh-CN" altLang="en-US" sz="1600" dirty="0"/>
+              <a:t>数组和指针关系密切，同一个数组操作可以用数组表示法和指针表示法；传统</a:t>
+            </a:r>
+            <a:r>
+              <a:rPr lang="en-US" altLang="zh-CN" sz="1600" dirty="0"/>
+              <a:t>C</a:t>
+            </a:r>
+            <a:r>
+              <a:rPr lang="zh-CN" altLang="en-US" sz="1600" dirty="0"/>
+              <a:t>中数组创建时必须声明大小，而在</a:t>
+            </a:r>
+            <a:r>
+              <a:rPr lang="en-US" altLang="zh-CN" sz="1600" dirty="0"/>
+              <a:t>C99</a:t>
+            </a:r>
+            <a:r>
+              <a:rPr lang="zh-CN" altLang="en-US" sz="1600" dirty="0"/>
+              <a:t>和</a:t>
+            </a:r>
+            <a:r>
+              <a:rPr lang="en-US" altLang="zh-CN" sz="1600" dirty="0"/>
+              <a:t>C11</a:t>
+            </a:r>
+            <a:r>
+              <a:rPr lang="zh-CN" altLang="en-US" sz="1600" dirty="0"/>
+              <a:t>中，数组的大小可以用变量来表示，因此变长数组的大小可以在程序运行时再确认</a:t>
+            </a:r>
+            <a:endParaRPr lang="en-US" altLang="zh-CN" sz="1600" dirty="0"/>
+          </a:p>
+          <a:p>
+            <a:r>
+              <a:rPr lang="en-US" altLang="zh-CN" sz="1600" dirty="0"/>
+              <a:t>	</a:t>
+            </a:r>
+            <a:br>
+              <a:rPr lang="en-US" altLang="zh-CN" sz="100" dirty="0"/>
+            </a:br>
+            <a:r>
+              <a:rPr lang="en-US" altLang="zh-CN" sz="100" dirty="0"/>
+              <a:t>	</a:t>
+            </a:r>
+            <a:br>
+              <a:rPr lang="en-US" altLang="zh-CN" sz="100" dirty="0"/>
+            </a:br>
+            <a:r>
+              <a:rPr lang="en-US" altLang="zh-CN" sz="100" dirty="0"/>
+              <a:t>	</a:t>
+            </a:r>
+            <a:endParaRPr lang="zh-CN" altLang="en-US" sz="100" dirty="0"/>
           </a:p>
         </p:txBody>
       </p:sp>
